--- a/6,7,8/figs.pptx
+++ b/6,7,8/figs.pptx
@@ -6,14 +6,18 @@
     <p:sldMasterId id="2147484090" r:id="rId2"/>
   </p:sldMasterIdLst>
   <p:notesMasterIdLst>
-    <p:notesMasterId r:id="rId5"/>
+    <p:notesMasterId r:id="rId9"/>
   </p:notesMasterIdLst>
   <p:handoutMasterIdLst>
-    <p:handoutMasterId r:id="rId6"/>
+    <p:handoutMasterId r:id="rId10"/>
   </p:handoutMasterIdLst>
   <p:sldIdLst>
     <p:sldId id="394" r:id="rId3"/>
     <p:sldId id="395" r:id="rId4"/>
+    <p:sldId id="396" r:id="rId5"/>
+    <p:sldId id="397" r:id="rId6"/>
+    <p:sldId id="398" r:id="rId7"/>
+    <p:sldId id="399" r:id="rId8"/>
   </p:sldIdLst>
   <p:sldSz cx="9144000" cy="6858000" type="screen4x3"/>
   <p:notesSz cx="6858000" cy="9144000"/>
@@ -247,7 +251,7 @@
           <a:p>
             <a:fld id="{A8C08EB2-D86C-DA4C-AF35-E27FFC1365AA}" type="datetimeFigureOut">
               <a:rPr lang="en-US" smtClean="0"/>
-              <a:t>7/28/18</a:t>
+              <a:t>9/15/18</a:t>
             </a:fld>
             <a:endParaRPr lang="en-US"/>
           </a:p>
@@ -12084,8 +12088,8 @@
               </a:p>
             </p:txBody>
           </p:sp>
-          <mc:AlternateContent xmlns:mc="http://schemas.openxmlformats.org/markup-compatibility/2006">
-            <mc:Choice xmlns:a14="http://schemas.microsoft.com/office/drawing/2010/main" Requires="a14">
+          <mc:AlternateContent xmlns:mc="http://schemas.openxmlformats.org/markup-compatibility/2006" xmlns:a14="http://schemas.microsoft.com/office/drawing/2010/main">
+            <mc:Choice Requires="a14">
               <p:sp>
                 <p:nvSpPr>
                   <p:cNvPr id="3" name="TextBox 2">
@@ -12204,7 +12208,7 @@
                 </p:txBody>
               </p:sp>
             </mc:Choice>
-            <mc:Fallback>
+            <mc:Fallback xmlns="">
               <p:sp>
                 <p:nvSpPr>
                   <p:cNvPr id="3" name="TextBox 2">
@@ -12286,14 +12290,14 @@
             <a:effectLst/>
             <a:extLst>
               <a:ext uri="{909E8E84-426E-40dd-AFC4-6F175D3DCCD1}">
-                <a14:hiddenFill xmlns="" xmlns:a14="http://schemas.microsoft.com/office/drawing/2010/main">
+                <a14:hiddenFill xmlns:a14="http://schemas.microsoft.com/office/drawing/2010/main" xmlns="">
                   <a:solidFill>
                     <a:schemeClr val="accent1"/>
                   </a:solidFill>
                 </a14:hiddenFill>
               </a:ext>
               <a:ext uri="{91240B29-F687-4f45-9708-019B960494DF}">
-                <a14:hiddenLine xmlns="" xmlns:a14="http://schemas.microsoft.com/office/drawing/2010/main" w="9525" cap="flat" cmpd="sng" algn="ctr">
+                <a14:hiddenLine xmlns:a14="http://schemas.microsoft.com/office/drawing/2010/main" xmlns="" w="9525" cap="flat" cmpd="sng" algn="ctr">
                   <a:solidFill>
                     <a:schemeClr val="tx1"/>
                   </a:solidFill>
@@ -12304,7 +12308,7 @@
                 </a14:hiddenLine>
               </a:ext>
               <a:ext uri="{AF507438-7753-43e0-B8FC-AC1667EBCBE1}">
-                <a14:hiddenEffects xmlns="" xmlns:a14="http://schemas.microsoft.com/office/drawing/2010/main">
+                <a14:hiddenEffects xmlns:a14="http://schemas.microsoft.com/office/drawing/2010/main" xmlns="">
                   <a:effectLst>
                     <a:outerShdw blurRad="63500" dist="35921" dir="2700000" algn="ctr" rotWithShape="0">
                       <a:schemeClr val="bg2"/>
@@ -12367,8 +12371,8 @@
             </a:prstGeom>
           </p:spPr>
         </p:pic>
-        <mc:AlternateContent xmlns:mc="http://schemas.openxmlformats.org/markup-compatibility/2006">
-          <mc:Choice xmlns:a14="http://schemas.microsoft.com/office/drawing/2010/main" Requires="a14">
+        <mc:AlternateContent xmlns:mc="http://schemas.openxmlformats.org/markup-compatibility/2006" xmlns:a14="http://schemas.microsoft.com/office/drawing/2010/main">
+          <mc:Choice Requires="a14">
             <p:sp>
               <p:nvSpPr>
                 <p:cNvPr id="22" name="Rectangular Callout 21">
@@ -12699,7 +12703,7 @@
               </p:txBody>
             </p:sp>
           </mc:Choice>
-          <mc:Fallback>
+          <mc:Fallback xmlns="">
             <p:sp>
               <p:nvSpPr>
                 <p:cNvPr id="22" name="Rectangular Callout 21">
@@ -12813,10 +12817,3879 @@
           <a:chExt cx="0" cy="0"/>
         </a:xfrm>
       </p:grpSpPr>
+      <p:grpSp>
+        <p:nvGrpSpPr>
+          <p:cNvPr id="10" name="Group 9">
+            <a:extLst>
+              <a:ext uri="{FF2B5EF4-FFF2-40B4-BE49-F238E27FC236}">
+                <a16:creationId xmlns:a16="http://schemas.microsoft.com/office/drawing/2014/main" id="{9F90EE77-71EB-1C47-AE33-C94B35D426F3}"/>
+              </a:ext>
+            </a:extLst>
+          </p:cNvPr>
+          <p:cNvGrpSpPr/>
+          <p:nvPr/>
+        </p:nvGrpSpPr>
+        <p:grpSpPr>
+          <a:xfrm>
+            <a:off x="2522106" y="820615"/>
+            <a:ext cx="3821723" cy="4443046"/>
+            <a:chOff x="4667430" y="820615"/>
+            <a:chExt cx="3821723" cy="4443046"/>
+          </a:xfrm>
+        </p:grpSpPr>
+        <mc:AlternateContent xmlns:mc="http://schemas.openxmlformats.org/markup-compatibility/2006">
+          <mc:Choice xmlns:a14="http://schemas.microsoft.com/office/drawing/2010/main" Requires="a14">
+            <p:sp>
+              <p:nvSpPr>
+                <p:cNvPr id="4" name="Rounded Rectangle 3">
+                  <a:extLst>
+                    <a:ext uri="{FF2B5EF4-FFF2-40B4-BE49-F238E27FC236}">
+                      <a16:creationId xmlns:a16="http://schemas.microsoft.com/office/drawing/2014/main" id="{1C069723-71BA-2646-9F81-CCC1FB594DFA}"/>
+                    </a:ext>
+                  </a:extLst>
+                </p:cNvPr>
+                <p:cNvSpPr/>
+                <p:nvPr/>
+              </p:nvSpPr>
+              <p:spPr bwMode="auto">
+                <a:xfrm>
+                  <a:off x="4667430" y="2033318"/>
+                  <a:ext cx="3821723" cy="3230343"/>
+                </a:xfrm>
+                <a:prstGeom prst="roundRect">
+                  <a:avLst/>
+                </a:prstGeom>
+                <a:solidFill>
+                  <a:schemeClr val="bg1"/>
+                </a:solidFill>
+                <a:ln>
+                  <a:solidFill>
+                    <a:schemeClr val="bg1">
+                      <a:lumMod val="75000"/>
+                    </a:schemeClr>
+                  </a:solidFill>
+                </a:ln>
+                <a:effectLst/>
+                <a:extLst>
+                  <a:ext uri="{909E8E84-426E-40dd-AFC4-6F175D3DCCD1}">
+                    <a14:hiddenFill xmlns="">
+                      <a:solidFill>
+                        <a:schemeClr val="accent1"/>
+                      </a:solidFill>
+                    </a14:hiddenFill>
+                  </a:ext>
+                  <a:ext uri="{91240B29-F687-4f45-9708-019B960494DF}">
+                    <a14:hiddenLine xmlns="" w="9525" cap="flat" cmpd="sng" algn="ctr">
+                      <a:solidFill>
+                        <a:schemeClr val="tx1"/>
+                      </a:solidFill>
+                      <a:prstDash val="solid"/>
+                      <a:round/>
+                      <a:headEnd type="none" w="med" len="med"/>
+                      <a:tailEnd type="none" w="med" len="med"/>
+                    </a14:hiddenLine>
+                  </a:ext>
+                  <a:ext uri="{AF507438-7753-43e0-B8FC-AC1667EBCBE1}">
+                    <a14:hiddenEffects xmlns="">
+                      <a:effectLst>
+                        <a:outerShdw blurRad="63500" dist="35921" dir="2700000" algn="ctr" rotWithShape="0">
+                          <a:schemeClr val="bg2"/>
+                        </a:outerShdw>
+                      </a:effectLst>
+                    </a14:hiddenEffects>
+                  </a:ext>
+                </a:extLst>
+              </p:spPr>
+              <p:txBody>
+                <a:bodyPr vert="horz" wrap="square" lIns="91440" tIns="45720" rIns="91440" bIns="45720" numCol="1" rtlCol="0" anchor="t" anchorCtr="0" compatLnSpc="1">
+                  <a:prstTxWarp prst="textNoShape">
+                    <a:avLst/>
+                  </a:prstTxWarp>
+                </a:bodyPr>
+                <a:lstStyle/>
+                <a:p>
+                  <a:pPr marL="342900" indent="-342900">
+                    <a:buFont typeface="Arial" panose="020B0604020202020204" pitchFamily="34" charset="0"/>
+                    <a:buChar char="•"/>
+                  </a:pPr>
+                  <a:r>
+                    <a:rPr lang="ja-JP" altLang="en-US">
+                      <a:solidFill>
+                        <a:schemeClr val="tx1"/>
+                      </a:solidFill>
+                      <a:latin typeface="Hiragino Kaku Gothic Pro W3" charset="-128"/>
+                      <a:ea typeface="Hiragino Kaku Gothic Pro W3" charset="-128"/>
+                      <a:cs typeface="Hiragino Kaku Gothic Pro W3" charset="-128"/>
+                    </a:rPr>
+                    <a:t>内部状態</a:t>
+                  </a:r>
+                  <a:endParaRPr lang="en-US" altLang="ja-JP" dirty="0">
+                    <a:solidFill>
+                      <a:schemeClr val="tx1"/>
+                    </a:solidFill>
+                    <a:latin typeface="Hiragino Kaku Gothic Pro W3" charset="-128"/>
+                    <a:ea typeface="Hiragino Kaku Gothic Pro W3" charset="-128"/>
+                    <a:cs typeface="Hiragino Kaku Gothic Pro W3" charset="-128"/>
+                  </a:endParaRPr>
+                </a:p>
+                <a:p>
+                  <a:pPr marL="800100" lvl="1" indent="-342900">
+                    <a:buFont typeface="Arial" panose="020B0604020202020204" pitchFamily="34" charset="0"/>
+                    <a:buChar char="•"/>
+                  </a:pPr>
+                  <a:r>
+                    <a:rPr lang="ja-JP" altLang="en-US">
+                      <a:solidFill>
+                        <a:schemeClr val="tx1"/>
+                      </a:solidFill>
+                      <a:latin typeface="Hiragino Kaku Gothic Pro W3" charset="-128"/>
+                      <a:ea typeface="Hiragino Kaku Gothic Pro W3" charset="-128"/>
+                      <a:cs typeface="Hiragino Kaku Gothic Pro W3" charset="-128"/>
+                    </a:rPr>
+                    <a:t>腕の角度</a:t>
+                  </a:r>
+                  <a:r>
+                    <a:rPr lang="en-US" altLang="ja-JP" dirty="0">
+                      <a:solidFill>
+                        <a:schemeClr val="tx1"/>
+                      </a:solidFill>
+                      <a:latin typeface="Hiragino Kaku Gothic Pro W3" charset="-128"/>
+                      <a:ea typeface="Hiragino Kaku Gothic Pro W3" charset="-128"/>
+                      <a:cs typeface="Hiragino Kaku Gothic Pro W3" charset="-128"/>
+                    </a:rPr>
+                    <a:t> </a:t>
+                  </a:r>
+                  <a14:m>
+                    <m:oMath xmlns:m="http://schemas.openxmlformats.org/officeDocument/2006/math">
+                      <m:sSub>
+                        <m:sSubPr>
+                          <m:ctrlPr>
+                            <a:rPr lang="en-US" altLang="ja-JP" b="0" i="1" smtClean="0">
+                              <a:solidFill>
+                                <a:schemeClr val="tx1"/>
+                              </a:solidFill>
+                              <a:latin typeface="Cambria Math" panose="02040503050406030204" pitchFamily="18" charset="0"/>
+                              <a:ea typeface="Hiragino Kaku Gothic Pro W3" charset="-128"/>
+                              <a:cs typeface="Hiragino Kaku Gothic Pro W3" charset="-128"/>
+                            </a:rPr>
+                          </m:ctrlPr>
+                        </m:sSubPr>
+                        <m:e>
+                          <m:r>
+                            <a:rPr lang="en-US" altLang="ja-JP" b="0" i="1" smtClean="0">
+                              <a:solidFill>
+                                <a:schemeClr val="tx1"/>
+                              </a:solidFill>
+                              <a:latin typeface="Cambria Math" panose="02040503050406030204" pitchFamily="18" charset="0"/>
+                              <a:ea typeface="Hiragino Kaku Gothic Pro W3" charset="-128"/>
+                              <a:cs typeface="Hiragino Kaku Gothic Pro W3" charset="-128"/>
+                            </a:rPr>
+                            <m:t>𝜃</m:t>
+                          </m:r>
+                        </m:e>
+                        <m:sub>
+                          <m:r>
+                            <a:rPr lang="en-US" altLang="ja-JP" b="0" i="1" smtClean="0">
+                              <a:solidFill>
+                                <a:schemeClr val="tx1"/>
+                              </a:solidFill>
+                              <a:latin typeface="Cambria Math" panose="02040503050406030204" pitchFamily="18" charset="0"/>
+                              <a:ea typeface="Hiragino Kaku Gothic Pro W3" charset="-128"/>
+                              <a:cs typeface="Hiragino Kaku Gothic Pro W3" charset="-128"/>
+                            </a:rPr>
+                            <m:t>𝑎</m:t>
+                          </m:r>
+                        </m:sub>
+                      </m:sSub>
+                    </m:oMath>
+                  </a14:m>
+                  <a:endParaRPr lang="en-US" altLang="ja-JP" dirty="0">
+                    <a:solidFill>
+                      <a:schemeClr val="tx1"/>
+                    </a:solidFill>
+                    <a:latin typeface="Hiragino Kaku Gothic Pro W3" charset="-128"/>
+                    <a:ea typeface="Hiragino Kaku Gothic Pro W3" charset="-128"/>
+                    <a:cs typeface="Hiragino Kaku Gothic Pro W3" charset="-128"/>
+                  </a:endParaRPr>
+                </a:p>
+                <a:p>
+                  <a:pPr marL="800100" lvl="1" indent="-342900">
+                    <a:buFont typeface="Arial" panose="020B0604020202020204" pitchFamily="34" charset="0"/>
+                    <a:buChar char="•"/>
+                  </a:pPr>
+                  <a:r>
+                    <a:rPr lang="ja-JP" altLang="en-US">
+                      <a:solidFill>
+                        <a:schemeClr val="tx1"/>
+                      </a:solidFill>
+                      <a:latin typeface="Hiragino Kaku Gothic Pro W3" charset="-128"/>
+                      <a:ea typeface="Hiragino Kaku Gothic Pro W3" charset="-128"/>
+                      <a:cs typeface="Hiragino Kaku Gothic Pro W3" charset="-128"/>
+                    </a:rPr>
+                    <a:t>足の角度</a:t>
+                  </a:r>
+                  <a:r>
+                    <a:rPr lang="en-US" altLang="ja-JP" dirty="0">
+                      <a:solidFill>
+                        <a:schemeClr val="tx1"/>
+                      </a:solidFill>
+                      <a:latin typeface="Hiragino Kaku Gothic Pro W3" charset="-128"/>
+                      <a:ea typeface="Hiragino Kaku Gothic Pro W3" charset="-128"/>
+                      <a:cs typeface="Hiragino Kaku Gothic Pro W3" charset="-128"/>
+                    </a:rPr>
+                    <a:t> </a:t>
+                  </a:r>
+                  <a14:m>
+                    <m:oMath xmlns:m="http://schemas.openxmlformats.org/officeDocument/2006/math">
+                      <m:sSub>
+                        <m:sSubPr>
+                          <m:ctrlPr>
+                            <a:rPr lang="en-US" altLang="ja-JP" b="0" i="1" smtClean="0">
+                              <a:solidFill>
+                                <a:schemeClr val="tx1"/>
+                              </a:solidFill>
+                              <a:latin typeface="Cambria Math" panose="02040503050406030204" pitchFamily="18" charset="0"/>
+                              <a:ea typeface="Hiragino Kaku Gothic Pro W3" charset="-128"/>
+                              <a:cs typeface="Hiragino Kaku Gothic Pro W3" charset="-128"/>
+                            </a:rPr>
+                          </m:ctrlPr>
+                        </m:sSubPr>
+                        <m:e>
+                          <m:r>
+                            <a:rPr lang="en-US" altLang="ja-JP" b="0" i="1" smtClean="0">
+                              <a:solidFill>
+                                <a:schemeClr val="tx1"/>
+                              </a:solidFill>
+                              <a:latin typeface="Cambria Math" panose="02040503050406030204" pitchFamily="18" charset="0"/>
+                              <a:ea typeface="Hiragino Kaku Gothic Pro W3" charset="-128"/>
+                              <a:cs typeface="Hiragino Kaku Gothic Pro W3" charset="-128"/>
+                            </a:rPr>
+                            <m:t>𝜃</m:t>
+                          </m:r>
+                        </m:e>
+                        <m:sub>
+                          <m:r>
+                            <a:rPr lang="en-US" altLang="ja-JP" b="0" i="1" smtClean="0">
+                              <a:solidFill>
+                                <a:schemeClr val="tx1"/>
+                              </a:solidFill>
+                              <a:latin typeface="Cambria Math" panose="02040503050406030204" pitchFamily="18" charset="0"/>
+                              <a:ea typeface="Hiragino Kaku Gothic Pro W3" charset="-128"/>
+                              <a:cs typeface="Hiragino Kaku Gothic Pro W3" charset="-128"/>
+                            </a:rPr>
+                            <m:t>𝑙</m:t>
+                          </m:r>
+                        </m:sub>
+                      </m:sSub>
+                    </m:oMath>
+                  </a14:m>
+                  <a:endParaRPr lang="en-US" altLang="ja-JP" dirty="0">
+                    <a:solidFill>
+                      <a:schemeClr val="tx1"/>
+                    </a:solidFill>
+                    <a:latin typeface="Hiragino Kaku Gothic Pro W3" charset="-128"/>
+                    <a:ea typeface="Hiragino Kaku Gothic Pro W3" charset="-128"/>
+                    <a:cs typeface="Hiragino Kaku Gothic Pro W3" charset="-128"/>
+                  </a:endParaRPr>
+                </a:p>
+                <a:p>
+                  <a:pPr marL="800100" lvl="1" indent="-342900">
+                    <a:buFont typeface="Arial" panose="020B0604020202020204" pitchFamily="34" charset="0"/>
+                    <a:buChar char="•"/>
+                  </a:pPr>
+                  <a:r>
+                    <a:rPr lang="ja-JP" altLang="en-US">
+                      <a:solidFill>
+                        <a:schemeClr val="tx1"/>
+                      </a:solidFill>
+                      <a:latin typeface="Hiragino Kaku Gothic Pro W3" charset="-128"/>
+                      <a:ea typeface="Hiragino Kaku Gothic Pro W3" charset="-128"/>
+                      <a:cs typeface="Hiragino Kaku Gothic Pro W3" charset="-128"/>
+                    </a:rPr>
+                    <a:t>記憶</a:t>
+                  </a:r>
+                  <a:endParaRPr lang="en-US" altLang="ja-JP" dirty="0">
+                    <a:solidFill>
+                      <a:schemeClr val="tx1"/>
+                    </a:solidFill>
+                    <a:latin typeface="Hiragino Kaku Gothic Pro W3" charset="-128"/>
+                    <a:ea typeface="Hiragino Kaku Gothic Pro W3" charset="-128"/>
+                    <a:cs typeface="Hiragino Kaku Gothic Pro W3" charset="-128"/>
+                  </a:endParaRPr>
+                </a:p>
+                <a:p>
+                  <a:pPr marL="342900" indent="-342900">
+                    <a:buFont typeface="Arial" panose="020B0604020202020204" pitchFamily="34" charset="0"/>
+                    <a:buChar char="•"/>
+                  </a:pPr>
+                  <a:r>
+                    <a:rPr lang="ja-JP" altLang="en-US">
+                      <a:solidFill>
+                        <a:schemeClr val="tx1"/>
+                      </a:solidFill>
+                      <a:latin typeface="Hiragino Kaku Gothic Pro W3" charset="-128"/>
+                      <a:ea typeface="Hiragino Kaku Gothic Pro W3" charset="-128"/>
+                      <a:cs typeface="Hiragino Kaku Gothic Pro W3" charset="-128"/>
+                    </a:rPr>
+                    <a:t>ロボットに対する命令</a:t>
+                  </a:r>
+                  <a:endParaRPr lang="en-US" altLang="ja-JP" dirty="0">
+                    <a:solidFill>
+                      <a:schemeClr val="tx1"/>
+                    </a:solidFill>
+                    <a:latin typeface="Hiragino Kaku Gothic Pro W3" charset="-128"/>
+                    <a:ea typeface="Hiragino Kaku Gothic Pro W3" charset="-128"/>
+                    <a:cs typeface="Hiragino Kaku Gothic Pro W3" charset="-128"/>
+                  </a:endParaRPr>
+                </a:p>
+                <a:p>
+                  <a:pPr marL="800100" lvl="1" indent="-342900">
+                    <a:buFont typeface="Arial" panose="020B0604020202020204" pitchFamily="34" charset="0"/>
+                    <a:buChar char="•"/>
+                  </a:pPr>
+                  <a:r>
+                    <a:rPr lang="ja-JP" altLang="en-US">
+                      <a:solidFill>
+                        <a:schemeClr val="tx1"/>
+                      </a:solidFill>
+                      <a:latin typeface="Hiragino Kaku Gothic Pro W3" charset="-128"/>
+                      <a:ea typeface="Hiragino Kaku Gothic Pro W3" charset="-128"/>
+                      <a:cs typeface="Hiragino Kaku Gothic Pro W3" charset="-128"/>
+                    </a:rPr>
+                    <a:t>立て！</a:t>
+                  </a:r>
+                  <a:endParaRPr lang="en-US" altLang="ja-JP" dirty="0">
+                    <a:solidFill>
+                      <a:schemeClr val="tx1"/>
+                    </a:solidFill>
+                    <a:latin typeface="Hiragino Kaku Gothic Pro W3" charset="-128"/>
+                    <a:ea typeface="Hiragino Kaku Gothic Pro W3" charset="-128"/>
+                    <a:cs typeface="Hiragino Kaku Gothic Pro W3" charset="-128"/>
+                  </a:endParaRPr>
+                </a:p>
+                <a:p>
+                  <a:pPr marL="800100" lvl="1" indent="-342900">
+                    <a:buFont typeface="Arial" panose="020B0604020202020204" pitchFamily="34" charset="0"/>
+                    <a:buChar char="•"/>
+                  </a:pPr>
+                  <a:r>
+                    <a:rPr lang="ja-JP" altLang="en-US">
+                      <a:solidFill>
+                        <a:schemeClr val="tx1"/>
+                      </a:solidFill>
+                      <a:latin typeface="Hiragino Kaku Gothic Pro W3" charset="-128"/>
+                      <a:ea typeface="Hiragino Kaku Gothic Pro W3" charset="-128"/>
+                      <a:cs typeface="Hiragino Kaku Gothic Pro W3" charset="-128"/>
+                    </a:rPr>
+                    <a:t>座れ！</a:t>
+                  </a:r>
+                  <a:endParaRPr lang="en-US" altLang="ja-JP" dirty="0">
+                    <a:solidFill>
+                      <a:schemeClr val="tx1"/>
+                    </a:solidFill>
+                    <a:latin typeface="Hiragino Kaku Gothic Pro W3" charset="-128"/>
+                    <a:ea typeface="Hiragino Kaku Gothic Pro W3" charset="-128"/>
+                    <a:cs typeface="Hiragino Kaku Gothic Pro W3" charset="-128"/>
+                  </a:endParaRPr>
+                </a:p>
+                <a:p>
+                  <a:pPr marL="800100" lvl="1" indent="-342900">
+                    <a:buFont typeface="Arial" panose="020B0604020202020204" pitchFamily="34" charset="0"/>
+                    <a:buChar char="•"/>
+                  </a:pPr>
+                  <a:r>
+                    <a:rPr lang="ja-JP" altLang="en-US">
+                      <a:solidFill>
+                        <a:schemeClr val="tx1"/>
+                      </a:solidFill>
+                      <a:latin typeface="Hiragino Kaku Gothic Pro W3" charset="-128"/>
+                      <a:ea typeface="Hiragino Kaku Gothic Pro W3" charset="-128"/>
+                      <a:cs typeface="Hiragino Kaku Gothic Pro W3" charset="-128"/>
+                    </a:rPr>
+                    <a:t>覚えろ！</a:t>
+                  </a:r>
+                  <a:endParaRPr lang="en-US" dirty="0">
+                    <a:solidFill>
+                      <a:schemeClr val="tx1"/>
+                    </a:solidFill>
+                    <a:latin typeface="Hiragino Kaku Gothic Pro W3" charset="-128"/>
+                    <a:ea typeface="Hiragino Kaku Gothic Pro W3" charset="-128"/>
+                    <a:cs typeface="Hiragino Kaku Gothic Pro W3" charset="-128"/>
+                  </a:endParaRPr>
+                </a:p>
+              </p:txBody>
+            </p:sp>
+          </mc:Choice>
+          <mc:Fallback>
+            <p:sp>
+              <p:nvSpPr>
+                <p:cNvPr id="4" name="Rounded Rectangle 3">
+                  <a:extLst>
+                    <a:ext uri="{FF2B5EF4-FFF2-40B4-BE49-F238E27FC236}">
+                      <a16:creationId xmlns:a16="http://schemas.microsoft.com/office/drawing/2014/main" id="{1C069723-71BA-2646-9F81-CCC1FB594DFA}"/>
+                    </a:ext>
+                  </a:extLst>
+                </p:cNvPr>
+                <p:cNvSpPr>
+                  <a:spLocks noRot="1" noChangeAspect="1" noMove="1" noResize="1" noEditPoints="1" noAdjustHandles="1" noChangeArrowheads="1" noChangeShapeType="1" noTextEdit="1"/>
+                </p:cNvSpPr>
+                <p:nvPr/>
+              </p:nvSpPr>
+              <p:spPr bwMode="auto">
+                <a:xfrm>
+                  <a:off x="4667430" y="2033318"/>
+                  <a:ext cx="3821723" cy="3230343"/>
+                </a:xfrm>
+                <a:prstGeom prst="roundRect">
+                  <a:avLst/>
+                </a:prstGeom>
+                <a:blipFill>
+                  <a:blip r:embed="rId2"/>
+                  <a:stretch>
+                    <a:fillRect/>
+                  </a:stretch>
+                </a:blipFill>
+                <a:ln>
+                  <a:solidFill>
+                    <a:schemeClr val="bg1">
+                      <a:lumMod val="75000"/>
+                    </a:schemeClr>
+                  </a:solidFill>
+                </a:ln>
+                <a:effectLst/>
+                <a:extLst>
+                  <a:ext uri="{909E8E84-426E-40dd-AFC4-6F175D3DCCD1}">
+                    <a14:hiddenFill xmlns:a14="http://schemas.microsoft.com/office/drawing/2010/main" xmlns="">
+                      <a:solidFill>
+                        <a:schemeClr val="accent1"/>
+                      </a:solidFill>
+                    </a14:hiddenFill>
+                  </a:ext>
+                  <a:ext uri="{91240B29-F687-4f45-9708-019B960494DF}">
+                    <a14:hiddenLine xmlns:a14="http://schemas.microsoft.com/office/drawing/2010/main" xmlns="" w="9525" cap="flat" cmpd="sng" algn="ctr">
+                      <a:solidFill>
+                        <a:schemeClr val="tx1"/>
+                      </a:solidFill>
+                      <a:prstDash val="solid"/>
+                      <a:round/>
+                      <a:headEnd type="none" w="med" len="med"/>
+                      <a:tailEnd type="none" w="med" len="med"/>
+                    </a14:hiddenLine>
+                  </a:ext>
+                  <a:ext uri="{AF507438-7753-43e0-B8FC-AC1667EBCBE1}">
+                    <a14:hiddenEffects xmlns:a14="http://schemas.microsoft.com/office/drawing/2010/main" xmlns="">
+                      <a:effectLst>
+                        <a:outerShdw blurRad="63500" dist="35921" dir="2700000" algn="ctr" rotWithShape="0">
+                          <a:schemeClr val="bg2"/>
+                        </a:outerShdw>
+                      </a:effectLst>
+                    </a14:hiddenEffects>
+                  </a:ext>
+                </a:extLst>
+              </p:spPr>
+              <p:txBody>
+                <a:bodyPr/>
+                <a:lstStyle/>
+                <a:p>
+                  <a:r>
+                    <a:rPr lang="en-US">
+                      <a:noFill/>
+                    </a:rPr>
+                    <a:t> </a:t>
+                  </a:r>
+                </a:p>
+              </p:txBody>
+            </p:sp>
+          </mc:Fallback>
+        </mc:AlternateContent>
+        <p:sp>
+          <p:nvSpPr>
+            <p:cNvPr id="2" name="TextBox 1">
+              <a:extLst>
+                <a:ext uri="{FF2B5EF4-FFF2-40B4-BE49-F238E27FC236}">
+                  <a16:creationId xmlns:a16="http://schemas.microsoft.com/office/drawing/2014/main" id="{8471A45E-41F1-AB44-A9FB-F4DAA3B03082}"/>
+                </a:ext>
+              </a:extLst>
+            </p:cNvPr>
+            <p:cNvSpPr txBox="1"/>
+            <p:nvPr/>
+          </p:nvSpPr>
+          <p:spPr>
+            <a:xfrm>
+              <a:off x="5972998" y="1219200"/>
+              <a:ext cx="1210588" cy="1323439"/>
+            </a:xfrm>
+            <a:prstGeom prst="rect">
+              <a:avLst/>
+            </a:prstGeom>
+            <a:noFill/>
+          </p:spPr>
+          <p:txBody>
+            <a:bodyPr wrap="none" rtlCol="0">
+              <a:spAutoFit/>
+            </a:bodyPr>
+            <a:lstStyle/>
+            <a:p>
+              <a:pPr algn="ctr"/>
+              <a:r>
+                <a:rPr lang="ja-JP" altLang="en-US" sz="8000">
+                  <a:solidFill>
+                    <a:schemeClr val="tx1"/>
+                  </a:solidFill>
+                  <a:latin typeface="Hiragino Kaku Gothic Pro W3" charset="-128"/>
+                  <a:ea typeface="Hiragino Kaku Gothic Pro W3" charset="-128"/>
+                  <a:cs typeface="Hiragino Kaku Gothic Pro W3" charset="-128"/>
+                </a:rPr>
+                <a:t>🤖</a:t>
+              </a:r>
+              <a:endParaRPr lang="en-US" sz="8000" dirty="0">
+                <a:solidFill>
+                  <a:schemeClr val="tx1"/>
+                </a:solidFill>
+                <a:latin typeface="Hiragino Kaku Gothic Pro W3" charset="-128"/>
+                <a:ea typeface="Hiragino Kaku Gothic Pro W3" charset="-128"/>
+                <a:cs typeface="Hiragino Kaku Gothic Pro W3" charset="-128"/>
+              </a:endParaRPr>
+            </a:p>
+          </p:txBody>
+        </p:sp>
+        <p:sp>
+          <p:nvSpPr>
+            <p:cNvPr id="6" name="TextBox 5">
+              <a:extLst>
+                <a:ext uri="{FF2B5EF4-FFF2-40B4-BE49-F238E27FC236}">
+                  <a16:creationId xmlns:a16="http://schemas.microsoft.com/office/drawing/2014/main" id="{5D9F66FE-5B68-B24E-8993-B6A07CADE4F0}"/>
+                </a:ext>
+              </a:extLst>
+            </p:cNvPr>
+            <p:cNvSpPr txBox="1"/>
+            <p:nvPr/>
+          </p:nvSpPr>
+          <p:spPr>
+            <a:xfrm>
+              <a:off x="5639573" y="820615"/>
+              <a:ext cx="1877437" cy="430887"/>
+            </a:xfrm>
+            <a:prstGeom prst="rect">
+              <a:avLst/>
+            </a:prstGeom>
+            <a:noFill/>
+          </p:spPr>
+          <p:txBody>
+            <a:bodyPr wrap="none" rtlCol="0">
+              <a:spAutoFit/>
+            </a:bodyPr>
+            <a:lstStyle/>
+            <a:p>
+              <a:r>
+                <a:rPr lang="ja-JP" altLang="en-US">
+                  <a:solidFill>
+                    <a:schemeClr val="tx1"/>
+                  </a:solidFill>
+                  <a:latin typeface="Hiragino Kaku Gothic Pro W3" charset="-128"/>
+                  <a:ea typeface="Hiragino Kaku Gothic Pro W3" charset="-128"/>
+                  <a:cs typeface="Hiragino Kaku Gothic Pro W3" charset="-128"/>
+                </a:rPr>
+                <a:t>オブジェクト</a:t>
+              </a:r>
+              <a:endParaRPr lang="en-US" dirty="0">
+                <a:solidFill>
+                  <a:schemeClr val="tx1"/>
+                </a:solidFill>
+                <a:latin typeface="Hiragino Kaku Gothic Pro W3" charset="-128"/>
+                <a:ea typeface="Hiragino Kaku Gothic Pro W3" charset="-128"/>
+                <a:cs typeface="Hiragino Kaku Gothic Pro W3" charset="-128"/>
+              </a:endParaRPr>
+            </a:p>
+          </p:txBody>
+        </p:sp>
+      </p:grpSp>
     </p:spTree>
     <p:extLst>
       <p:ext uri="{BB962C8B-B14F-4D97-AF65-F5344CB8AC3E}">
         <p14:creationId xmlns:p14="http://schemas.microsoft.com/office/powerpoint/2010/main" val="827711046"/>
+      </p:ext>
+    </p:extLst>
+  </p:cSld>
+  <p:clrMapOvr>
+    <a:masterClrMapping/>
+  </p:clrMapOvr>
+</p:sld>
+</file>
+
+<file path=ppt/slides/slide3.xml><?xml version="1.0" encoding="utf-8"?>
+<p:sld xmlns:a="http://schemas.openxmlformats.org/drawingml/2006/main" xmlns:r="http://schemas.openxmlformats.org/officeDocument/2006/relationships" xmlns:p="http://schemas.openxmlformats.org/presentationml/2006/main">
+  <p:cSld>
+    <p:spTree>
+      <p:nvGrpSpPr>
+        <p:cNvPr id="1" name=""/>
+        <p:cNvGrpSpPr/>
+        <p:nvPr/>
+      </p:nvGrpSpPr>
+      <p:grpSpPr>
+        <a:xfrm>
+          <a:off x="0" y="0"/>
+          <a:ext cx="0" cy="0"/>
+          <a:chOff x="0" y="0"/>
+          <a:chExt cx="0" cy="0"/>
+        </a:xfrm>
+      </p:grpSpPr>
+      <mc:AlternateContent xmlns:mc="http://schemas.openxmlformats.org/markup-compatibility/2006">
+        <mc:Choice xmlns:a14="http://schemas.microsoft.com/office/drawing/2010/main" Requires="a14">
+          <p:sp>
+            <p:nvSpPr>
+              <p:cNvPr id="10" name="TextBox 9">
+                <a:extLst>
+                  <a:ext uri="{FF2B5EF4-FFF2-40B4-BE49-F238E27FC236}">
+                    <a16:creationId xmlns:a16="http://schemas.microsoft.com/office/drawing/2014/main" id="{82728267-B396-5B40-9895-221BD5EF4708}"/>
+                  </a:ext>
+                </a:extLst>
+              </p:cNvPr>
+              <p:cNvSpPr txBox="1"/>
+              <p:nvPr/>
+            </p:nvSpPr>
+            <p:spPr>
+              <a:xfrm>
+                <a:off x="504093" y="855784"/>
+                <a:ext cx="1877437" cy="1446550"/>
+              </a:xfrm>
+              <a:prstGeom prst="rect">
+                <a:avLst/>
+              </a:prstGeom>
+              <a:noFill/>
+            </p:spPr>
+            <p:txBody>
+              <a:bodyPr wrap="none" rtlCol="0">
+                <a:spAutoFit/>
+              </a:bodyPr>
+              <a:lstStyle/>
+              <a:p>
+                <a:r>
+                  <a:rPr lang="ja-JP" altLang="en-US">
+                    <a:solidFill>
+                      <a:schemeClr val="tx1"/>
+                    </a:solidFill>
+                    <a:latin typeface="Hiragino Kaku Gothic Pro W3" charset="-128"/>
+                    <a:ea typeface="Hiragino Kaku Gothic Pro W3" charset="-128"/>
+                    <a:cs typeface="Hiragino Kaku Gothic Pro W3" charset="-128"/>
+                  </a:rPr>
+                  <a:t>初期内部状態</a:t>
+                </a:r>
+                <a:endParaRPr lang="en-US" altLang="ja-JP" dirty="0">
+                  <a:solidFill>
+                    <a:schemeClr val="tx1"/>
+                  </a:solidFill>
+                  <a:latin typeface="Hiragino Kaku Gothic Pro W3" charset="-128"/>
+                  <a:ea typeface="Hiragino Kaku Gothic Pro W3" charset="-128"/>
+                  <a:cs typeface="Hiragino Kaku Gothic Pro W3" charset="-128"/>
+                </a:endParaRPr>
+              </a:p>
+              <a:p>
+                <a:endParaRPr lang="en-US" altLang="ja-JP" dirty="0">
+                  <a:solidFill>
+                    <a:schemeClr val="tx1"/>
+                  </a:solidFill>
+                  <a:latin typeface="Hiragino Kaku Gothic Pro W3" charset="-128"/>
+                  <a:ea typeface="Hiragino Kaku Gothic Pro W3" charset="-128"/>
+                  <a:cs typeface="Hiragino Kaku Gothic Pro W3" charset="-128"/>
+                </a:endParaRPr>
+              </a:p>
+              <a:p>
+                <a14:m>
+                  <m:oMathPara xmlns:m="http://schemas.openxmlformats.org/officeDocument/2006/math">
+                    <m:oMathParaPr>
+                      <m:jc m:val="centerGroup"/>
+                    </m:oMathParaPr>
+                    <m:oMath xmlns:m="http://schemas.openxmlformats.org/officeDocument/2006/math">
+                      <m:sSub>
+                        <m:sSubPr>
+                          <m:ctrlPr>
+                            <a:rPr lang="en-US" i="1">
+                              <a:solidFill>
+                                <a:schemeClr val="tx1"/>
+                              </a:solidFill>
+                              <a:latin typeface="Cambria Math" panose="02040503050406030204" pitchFamily="18" charset="0"/>
+                              <a:ea typeface="Hiragino Kaku Gothic Pro W3" charset="-128"/>
+                              <a:cs typeface="Hiragino Kaku Gothic Pro W3" charset="-128"/>
+                            </a:rPr>
+                          </m:ctrlPr>
+                        </m:sSubPr>
+                        <m:e>
+                          <m:r>
+                            <a:rPr lang="en-US" i="1">
+                              <a:solidFill>
+                                <a:schemeClr val="tx1"/>
+                              </a:solidFill>
+                              <a:latin typeface="Cambria Math" panose="02040503050406030204" pitchFamily="18" charset="0"/>
+                              <a:ea typeface="Hiragino Kaku Gothic Pro W3" charset="-128"/>
+                              <a:cs typeface="Hiragino Kaku Gothic Pro W3" charset="-128"/>
+                            </a:rPr>
+                            <m:t>𝜃</m:t>
+                          </m:r>
+                        </m:e>
+                        <m:sub>
+                          <m:r>
+                            <a:rPr lang="en-US" i="1">
+                              <a:solidFill>
+                                <a:schemeClr val="tx1"/>
+                              </a:solidFill>
+                              <a:latin typeface="Cambria Math" panose="02040503050406030204" pitchFamily="18" charset="0"/>
+                              <a:ea typeface="Hiragino Kaku Gothic Pro W3" charset="-128"/>
+                              <a:cs typeface="Hiragino Kaku Gothic Pro W3" charset="-128"/>
+                            </a:rPr>
+                            <m:t>𝑎</m:t>
+                          </m:r>
+                        </m:sub>
+                      </m:sSub>
+                      <m:r>
+                        <a:rPr lang="en-US" i="1">
+                          <a:solidFill>
+                            <a:schemeClr val="tx1"/>
+                          </a:solidFill>
+                          <a:latin typeface="Cambria Math" panose="02040503050406030204" pitchFamily="18" charset="0"/>
+                          <a:ea typeface="Hiragino Kaku Gothic Pro W3" charset="-128"/>
+                          <a:cs typeface="Hiragino Kaku Gothic Pro W3" charset="-128"/>
+                        </a:rPr>
+                        <m:t>=1.0</m:t>
+                      </m:r>
+                    </m:oMath>
+                  </m:oMathPara>
+                </a14:m>
+                <a:endParaRPr lang="en-US" dirty="0">
+                  <a:solidFill>
+                    <a:schemeClr val="tx1"/>
+                  </a:solidFill>
+                  <a:latin typeface="Hiragino Kaku Gothic Pro W3" charset="-128"/>
+                  <a:ea typeface="Hiragino Kaku Gothic Pro W3" charset="-128"/>
+                  <a:cs typeface="Hiragino Kaku Gothic Pro W3" charset="-128"/>
+                </a:endParaRPr>
+              </a:p>
+              <a:p>
+                <a14:m>
+                  <m:oMathPara xmlns:m="http://schemas.openxmlformats.org/officeDocument/2006/math">
+                    <m:oMathParaPr>
+                      <m:jc m:val="centerGroup"/>
+                    </m:oMathParaPr>
+                    <m:oMath xmlns:m="http://schemas.openxmlformats.org/officeDocument/2006/math">
+                      <m:sSub>
+                        <m:sSubPr>
+                          <m:ctrlPr>
+                            <a:rPr lang="en-US" i="1">
+                              <a:solidFill>
+                                <a:schemeClr val="tx1"/>
+                              </a:solidFill>
+                              <a:latin typeface="Cambria Math" panose="02040503050406030204" pitchFamily="18" charset="0"/>
+                              <a:ea typeface="Hiragino Kaku Gothic Pro W3" charset="-128"/>
+                              <a:cs typeface="Hiragino Kaku Gothic Pro W3" charset="-128"/>
+                            </a:rPr>
+                          </m:ctrlPr>
+                        </m:sSubPr>
+                        <m:e>
+                          <m:r>
+                            <a:rPr lang="en-US" i="1">
+                              <a:solidFill>
+                                <a:schemeClr val="tx1"/>
+                              </a:solidFill>
+                              <a:latin typeface="Cambria Math" panose="02040503050406030204" pitchFamily="18" charset="0"/>
+                              <a:ea typeface="Hiragino Kaku Gothic Pro W3" charset="-128"/>
+                              <a:cs typeface="Hiragino Kaku Gothic Pro W3" charset="-128"/>
+                            </a:rPr>
+                            <m:t>𝜃</m:t>
+                          </m:r>
+                        </m:e>
+                        <m:sub>
+                          <m:r>
+                            <a:rPr lang="en-US" b="0" i="1" smtClean="0">
+                              <a:solidFill>
+                                <a:schemeClr val="tx1"/>
+                              </a:solidFill>
+                              <a:latin typeface="Cambria Math" panose="02040503050406030204" pitchFamily="18" charset="0"/>
+                              <a:ea typeface="Hiragino Kaku Gothic Pro W3" charset="-128"/>
+                              <a:cs typeface="Hiragino Kaku Gothic Pro W3" charset="-128"/>
+                            </a:rPr>
+                            <m:t>𝑙</m:t>
+                          </m:r>
+                        </m:sub>
+                      </m:sSub>
+                      <m:r>
+                        <a:rPr lang="en-US" i="1">
+                          <a:solidFill>
+                            <a:schemeClr val="tx1"/>
+                          </a:solidFill>
+                          <a:latin typeface="Cambria Math" panose="02040503050406030204" pitchFamily="18" charset="0"/>
+                          <a:ea typeface="Hiragino Kaku Gothic Pro W3" charset="-128"/>
+                          <a:cs typeface="Hiragino Kaku Gothic Pro W3" charset="-128"/>
+                        </a:rPr>
+                        <m:t>=1.0</m:t>
+                      </m:r>
+                    </m:oMath>
+                  </m:oMathPara>
+                </a14:m>
+                <a:endParaRPr lang="en-US" dirty="0">
+                  <a:solidFill>
+                    <a:schemeClr val="tx1"/>
+                  </a:solidFill>
+                  <a:latin typeface="Hiragino Kaku Gothic Pro W3" charset="-128"/>
+                  <a:ea typeface="Hiragino Kaku Gothic Pro W3" charset="-128"/>
+                  <a:cs typeface="Hiragino Kaku Gothic Pro W3" charset="-128"/>
+                </a:endParaRPr>
+              </a:p>
+            </p:txBody>
+          </p:sp>
+        </mc:Choice>
+        <mc:Fallback>
+          <p:sp>
+            <p:nvSpPr>
+              <p:cNvPr id="10" name="TextBox 9">
+                <a:extLst>
+                  <a:ext uri="{FF2B5EF4-FFF2-40B4-BE49-F238E27FC236}">
+                    <a16:creationId xmlns:a16="http://schemas.microsoft.com/office/drawing/2014/main" id="{82728267-B396-5B40-9895-221BD5EF4708}"/>
+                  </a:ext>
+                </a:extLst>
+              </p:cNvPr>
+              <p:cNvSpPr txBox="1">
+                <a:spLocks noRot="1" noChangeAspect="1" noMove="1" noResize="1" noEditPoints="1" noAdjustHandles="1" noChangeArrowheads="1" noChangeShapeType="1" noTextEdit="1"/>
+              </p:cNvSpPr>
+              <p:nvPr/>
+            </p:nvSpPr>
+            <p:spPr>
+              <a:xfrm>
+                <a:off x="504093" y="855784"/>
+                <a:ext cx="1877437" cy="1446550"/>
+              </a:xfrm>
+              <a:prstGeom prst="rect">
+                <a:avLst/>
+              </a:prstGeom>
+              <a:blipFill>
+                <a:blip r:embed="rId2"/>
+                <a:stretch>
+                  <a:fillRect l="-4027" t="-1739" r="-2685" b="-870"/>
+                </a:stretch>
+              </a:blipFill>
+            </p:spPr>
+            <p:txBody>
+              <a:bodyPr/>
+              <a:lstStyle/>
+              <a:p>
+                <a:r>
+                  <a:rPr lang="en-US">
+                    <a:noFill/>
+                  </a:rPr>
+                  <a:t> </a:t>
+                </a:r>
+              </a:p>
+            </p:txBody>
+          </p:sp>
+        </mc:Fallback>
+      </mc:AlternateContent>
+      <p:grpSp>
+        <p:nvGrpSpPr>
+          <p:cNvPr id="19" name="Group 18">
+            <a:extLst>
+              <a:ext uri="{FF2B5EF4-FFF2-40B4-BE49-F238E27FC236}">
+                <a16:creationId xmlns:a16="http://schemas.microsoft.com/office/drawing/2014/main" id="{03E60ADF-63B8-DA4D-99F0-2C22B337EEC4}"/>
+              </a:ext>
+            </a:extLst>
+          </p:cNvPr>
+          <p:cNvGrpSpPr/>
+          <p:nvPr/>
+        </p:nvGrpSpPr>
+        <p:grpSpPr>
+          <a:xfrm>
+            <a:off x="3711964" y="855784"/>
+            <a:ext cx="1210588" cy="1758462"/>
+            <a:chOff x="3511151" y="855784"/>
+            <a:chExt cx="1210588" cy="1758462"/>
+          </a:xfrm>
+        </p:grpSpPr>
+        <p:sp>
+          <p:nvSpPr>
+            <p:cNvPr id="11" name="TextBox 10">
+              <a:extLst>
+                <a:ext uri="{FF2B5EF4-FFF2-40B4-BE49-F238E27FC236}">
+                  <a16:creationId xmlns:a16="http://schemas.microsoft.com/office/drawing/2014/main" id="{228EC50F-EDED-8F42-99E2-DF78BC545441}"/>
+                </a:ext>
+              </a:extLst>
+            </p:cNvPr>
+            <p:cNvSpPr txBox="1"/>
+            <p:nvPr/>
+          </p:nvSpPr>
+          <p:spPr>
+            <a:xfrm>
+              <a:off x="3511151" y="1290807"/>
+              <a:ext cx="1210588" cy="1323439"/>
+            </a:xfrm>
+            <a:prstGeom prst="rect">
+              <a:avLst/>
+            </a:prstGeom>
+            <a:noFill/>
+          </p:spPr>
+          <p:txBody>
+            <a:bodyPr wrap="none" rtlCol="0">
+              <a:spAutoFit/>
+            </a:bodyPr>
+            <a:lstStyle/>
+            <a:p>
+              <a:r>
+                <a:rPr lang="ja-JP" altLang="en-US" sz="8000">
+                  <a:solidFill>
+                    <a:schemeClr val="tx1"/>
+                  </a:solidFill>
+                  <a:latin typeface="Hiragino Kaku Gothic Pro W3" charset="-128"/>
+                  <a:ea typeface="Hiragino Kaku Gothic Pro W3" charset="-128"/>
+                  <a:cs typeface="Hiragino Kaku Gothic Pro W3" charset="-128"/>
+                </a:rPr>
+                <a:t>📄</a:t>
+              </a:r>
+              <a:endParaRPr lang="en-US" sz="8000" dirty="0">
+                <a:solidFill>
+                  <a:schemeClr val="tx1"/>
+                </a:solidFill>
+                <a:latin typeface="Hiragino Kaku Gothic Pro W3" charset="-128"/>
+                <a:ea typeface="Hiragino Kaku Gothic Pro W3" charset="-128"/>
+                <a:cs typeface="Hiragino Kaku Gothic Pro W3" charset="-128"/>
+              </a:endParaRPr>
+            </a:p>
+          </p:txBody>
+        </p:sp>
+        <p:sp>
+          <p:nvSpPr>
+            <p:cNvPr id="12" name="TextBox 11">
+              <a:extLst>
+                <a:ext uri="{FF2B5EF4-FFF2-40B4-BE49-F238E27FC236}">
+                  <a16:creationId xmlns:a16="http://schemas.microsoft.com/office/drawing/2014/main" id="{82177414-779B-884C-9C07-25133BD95D6B}"/>
+                </a:ext>
+              </a:extLst>
+            </p:cNvPr>
+            <p:cNvSpPr txBox="1"/>
+            <p:nvPr/>
+          </p:nvSpPr>
+          <p:spPr>
+            <a:xfrm>
+              <a:off x="3600920" y="855784"/>
+              <a:ext cx="1031051" cy="430887"/>
+            </a:xfrm>
+            <a:prstGeom prst="rect">
+              <a:avLst/>
+            </a:prstGeom>
+            <a:noFill/>
+          </p:spPr>
+          <p:txBody>
+            <a:bodyPr wrap="none" rtlCol="0">
+              <a:spAutoFit/>
+            </a:bodyPr>
+            <a:lstStyle/>
+            <a:p>
+              <a:r>
+                <a:rPr lang="ja-JP" altLang="en-US">
+                  <a:solidFill>
+                    <a:schemeClr val="tx1"/>
+                  </a:solidFill>
+                  <a:latin typeface="Hiragino Kaku Gothic Pro W3" charset="-128"/>
+                  <a:ea typeface="Hiragino Kaku Gothic Pro W3" charset="-128"/>
+                  <a:cs typeface="Hiragino Kaku Gothic Pro W3" charset="-128"/>
+                </a:rPr>
+                <a:t>クラス</a:t>
+              </a:r>
+              <a:endParaRPr lang="en-US" dirty="0">
+                <a:solidFill>
+                  <a:schemeClr val="tx1"/>
+                </a:solidFill>
+                <a:latin typeface="Hiragino Kaku Gothic Pro W3" charset="-128"/>
+                <a:ea typeface="Hiragino Kaku Gothic Pro W3" charset="-128"/>
+                <a:cs typeface="Hiragino Kaku Gothic Pro W3" charset="-128"/>
+              </a:endParaRPr>
+            </a:p>
+          </p:txBody>
+        </p:sp>
+      </p:grpSp>
+      <p:grpSp>
+        <p:nvGrpSpPr>
+          <p:cNvPr id="20" name="Group 19">
+            <a:extLst>
+              <a:ext uri="{FF2B5EF4-FFF2-40B4-BE49-F238E27FC236}">
+                <a16:creationId xmlns:a16="http://schemas.microsoft.com/office/drawing/2014/main" id="{4177CB98-5A6C-6D42-B6E5-5922221A8897}"/>
+              </a:ext>
+            </a:extLst>
+          </p:cNvPr>
+          <p:cNvGrpSpPr/>
+          <p:nvPr/>
+        </p:nvGrpSpPr>
+        <p:grpSpPr>
+          <a:xfrm>
+            <a:off x="6252985" y="855784"/>
+            <a:ext cx="1877437" cy="1758462"/>
+            <a:chOff x="6252985" y="855784"/>
+            <a:chExt cx="1877437" cy="1758462"/>
+          </a:xfrm>
+        </p:grpSpPr>
+        <p:sp>
+          <p:nvSpPr>
+            <p:cNvPr id="6" name="TextBox 5">
+              <a:extLst>
+                <a:ext uri="{FF2B5EF4-FFF2-40B4-BE49-F238E27FC236}">
+                  <a16:creationId xmlns:a16="http://schemas.microsoft.com/office/drawing/2014/main" id="{CDA61540-CB3D-4548-94B6-D6039ADC88F3}"/>
+                </a:ext>
+              </a:extLst>
+            </p:cNvPr>
+            <p:cNvSpPr txBox="1"/>
+            <p:nvPr/>
+          </p:nvSpPr>
+          <p:spPr>
+            <a:xfrm>
+              <a:off x="6586409" y="1290807"/>
+              <a:ext cx="1210588" cy="1323439"/>
+            </a:xfrm>
+            <a:prstGeom prst="rect">
+              <a:avLst/>
+            </a:prstGeom>
+            <a:noFill/>
+          </p:spPr>
+          <p:txBody>
+            <a:bodyPr wrap="none" rtlCol="0">
+              <a:spAutoFit/>
+            </a:bodyPr>
+            <a:lstStyle/>
+            <a:p>
+              <a:pPr algn="ctr"/>
+              <a:r>
+                <a:rPr lang="ja-JP" altLang="en-US" sz="8000">
+                  <a:solidFill>
+                    <a:schemeClr val="tx1"/>
+                  </a:solidFill>
+                  <a:latin typeface="Hiragino Kaku Gothic Pro W3" charset="-128"/>
+                  <a:ea typeface="Hiragino Kaku Gothic Pro W3" charset="-128"/>
+                  <a:cs typeface="Hiragino Kaku Gothic Pro W3" charset="-128"/>
+                </a:rPr>
+                <a:t>🤖</a:t>
+              </a:r>
+              <a:endParaRPr lang="en-US" sz="8000" dirty="0">
+                <a:solidFill>
+                  <a:schemeClr val="tx1"/>
+                </a:solidFill>
+                <a:latin typeface="Hiragino Kaku Gothic Pro W3" charset="-128"/>
+                <a:ea typeface="Hiragino Kaku Gothic Pro W3" charset="-128"/>
+                <a:cs typeface="Hiragino Kaku Gothic Pro W3" charset="-128"/>
+              </a:endParaRPr>
+            </a:p>
+          </p:txBody>
+        </p:sp>
+        <p:sp>
+          <p:nvSpPr>
+            <p:cNvPr id="13" name="TextBox 12">
+              <a:extLst>
+                <a:ext uri="{FF2B5EF4-FFF2-40B4-BE49-F238E27FC236}">
+                  <a16:creationId xmlns:a16="http://schemas.microsoft.com/office/drawing/2014/main" id="{730875C0-49C5-7549-8744-98C11FD8B14F}"/>
+                </a:ext>
+              </a:extLst>
+            </p:cNvPr>
+            <p:cNvSpPr txBox="1"/>
+            <p:nvPr/>
+          </p:nvSpPr>
+          <p:spPr>
+            <a:xfrm>
+              <a:off x="6252985" y="855784"/>
+              <a:ext cx="1877437" cy="430887"/>
+            </a:xfrm>
+            <a:prstGeom prst="rect">
+              <a:avLst/>
+            </a:prstGeom>
+            <a:noFill/>
+          </p:spPr>
+          <p:txBody>
+            <a:bodyPr wrap="none" rtlCol="0">
+              <a:spAutoFit/>
+            </a:bodyPr>
+            <a:lstStyle/>
+            <a:p>
+              <a:r>
+                <a:rPr lang="ja-JP" altLang="en-US">
+                  <a:solidFill>
+                    <a:schemeClr val="tx1"/>
+                  </a:solidFill>
+                  <a:latin typeface="Hiragino Kaku Gothic Pro W3" charset="-128"/>
+                  <a:ea typeface="Hiragino Kaku Gothic Pro W3" charset="-128"/>
+                  <a:cs typeface="Hiragino Kaku Gothic Pro W3" charset="-128"/>
+                </a:rPr>
+                <a:t>オブジェクト</a:t>
+              </a:r>
+              <a:endParaRPr lang="en-US" dirty="0">
+                <a:solidFill>
+                  <a:schemeClr val="tx1"/>
+                </a:solidFill>
+                <a:latin typeface="Hiragino Kaku Gothic Pro W3" charset="-128"/>
+                <a:ea typeface="Hiragino Kaku Gothic Pro W3" charset="-128"/>
+                <a:cs typeface="Hiragino Kaku Gothic Pro W3" charset="-128"/>
+              </a:endParaRPr>
+            </a:p>
+          </p:txBody>
+        </p:sp>
+      </p:grpSp>
+      <p:cxnSp>
+        <p:nvCxnSpPr>
+          <p:cNvPr id="15" name="Straight Arrow Connector 14">
+            <a:extLst>
+              <a:ext uri="{FF2B5EF4-FFF2-40B4-BE49-F238E27FC236}">
+                <a16:creationId xmlns:a16="http://schemas.microsoft.com/office/drawing/2014/main" id="{2D466002-9505-4D4B-BB36-34F0CFEB76C9}"/>
+              </a:ext>
+            </a:extLst>
+          </p:cNvPr>
+          <p:cNvCxnSpPr>
+            <a:endCxn id="11" idx="1"/>
+          </p:cNvCxnSpPr>
+          <p:nvPr/>
+        </p:nvCxnSpPr>
+        <p:spPr bwMode="auto">
+          <a:xfrm>
+            <a:off x="2473569" y="1952526"/>
+            <a:ext cx="1238395" cy="1"/>
+          </a:xfrm>
+          <a:prstGeom prst="straightConnector1">
+            <a:avLst/>
+          </a:prstGeom>
+          <a:noFill/>
+          <a:ln>
+            <a:solidFill>
+              <a:schemeClr val="accent4"/>
+            </a:solidFill>
+            <a:tailEnd type="triangle"/>
+          </a:ln>
+          <a:effectLst/>
+          <a:extLst>
+            <a:ext uri="{909E8E84-426E-40dd-AFC4-6F175D3DCCD1}">
+              <a14:hiddenFill xmlns:a14="http://schemas.microsoft.com/office/drawing/2010/main" xmlns="">
+                <a:solidFill>
+                  <a:schemeClr val="accent1"/>
+                </a:solidFill>
+              </a14:hiddenFill>
+            </a:ext>
+            <a:ext uri="{91240B29-F687-4f45-9708-019B960494DF}">
+              <a14:hiddenLine xmlns:a14="http://schemas.microsoft.com/office/drawing/2010/main" xmlns="" w="9525" cap="flat" cmpd="sng" algn="ctr">
+                <a:solidFill>
+                  <a:schemeClr val="tx1"/>
+                </a:solidFill>
+                <a:prstDash val="solid"/>
+                <a:round/>
+                <a:headEnd type="none" w="med" len="med"/>
+                <a:tailEnd type="none" w="med" len="med"/>
+              </a14:hiddenLine>
+            </a:ext>
+            <a:ext uri="{AF507438-7753-43e0-B8FC-AC1667EBCBE1}">
+              <a14:hiddenEffects xmlns:a14="http://schemas.microsoft.com/office/drawing/2010/main" xmlns="">
+                <a:effectLst>
+                  <a:outerShdw blurRad="63500" dist="35921" dir="2700000" algn="ctr" rotWithShape="0">
+                    <a:schemeClr val="bg2"/>
+                  </a:outerShdw>
+                </a:effectLst>
+              </a14:hiddenEffects>
+            </a:ext>
+          </a:extLst>
+        </p:spPr>
+      </p:cxnSp>
+      <p:cxnSp>
+        <p:nvCxnSpPr>
+          <p:cNvPr id="16" name="Straight Arrow Connector 15">
+            <a:extLst>
+              <a:ext uri="{FF2B5EF4-FFF2-40B4-BE49-F238E27FC236}">
+                <a16:creationId xmlns:a16="http://schemas.microsoft.com/office/drawing/2014/main" id="{AAE98BCC-4755-A842-853C-E391B3B20A0E}"/>
+              </a:ext>
+            </a:extLst>
+          </p:cNvPr>
+          <p:cNvCxnSpPr>
+            <a:cxnSpLocks/>
+            <a:stCxn id="11" idx="3"/>
+            <a:endCxn id="6" idx="1"/>
+          </p:cNvCxnSpPr>
+          <p:nvPr/>
+        </p:nvCxnSpPr>
+        <p:spPr bwMode="auto">
+          <a:xfrm>
+            <a:off x="4922552" y="1952527"/>
+            <a:ext cx="1663857" cy="0"/>
+          </a:xfrm>
+          <a:prstGeom prst="straightConnector1">
+            <a:avLst/>
+          </a:prstGeom>
+          <a:noFill/>
+          <a:ln>
+            <a:solidFill>
+              <a:schemeClr val="accent4"/>
+            </a:solidFill>
+            <a:tailEnd type="triangle"/>
+          </a:ln>
+          <a:effectLst/>
+          <a:extLst>
+            <a:ext uri="{909E8E84-426E-40dd-AFC4-6F175D3DCCD1}">
+              <a14:hiddenFill xmlns:a14="http://schemas.microsoft.com/office/drawing/2010/main" xmlns="">
+                <a:solidFill>
+                  <a:schemeClr val="accent1"/>
+                </a:solidFill>
+              </a14:hiddenFill>
+            </a:ext>
+            <a:ext uri="{91240B29-F687-4f45-9708-019B960494DF}">
+              <a14:hiddenLine xmlns:a14="http://schemas.microsoft.com/office/drawing/2010/main" xmlns="" w="9525" cap="flat" cmpd="sng" algn="ctr">
+                <a:solidFill>
+                  <a:schemeClr val="tx1"/>
+                </a:solidFill>
+                <a:prstDash val="solid"/>
+                <a:round/>
+                <a:headEnd type="none" w="med" len="med"/>
+                <a:tailEnd type="none" w="med" len="med"/>
+              </a14:hiddenLine>
+            </a:ext>
+            <a:ext uri="{AF507438-7753-43e0-B8FC-AC1667EBCBE1}">
+              <a14:hiddenEffects xmlns:a14="http://schemas.microsoft.com/office/drawing/2010/main" xmlns="">
+                <a:effectLst>
+                  <a:outerShdw blurRad="63500" dist="35921" dir="2700000" algn="ctr" rotWithShape="0">
+                    <a:schemeClr val="bg2"/>
+                  </a:outerShdw>
+                </a:effectLst>
+              </a14:hiddenEffects>
+            </a:ext>
+          </a:extLst>
+        </p:spPr>
+      </p:cxnSp>
+      <mc:AlternateContent xmlns:mc="http://schemas.openxmlformats.org/markup-compatibility/2006">
+        <mc:Choice xmlns:a14="http://schemas.microsoft.com/office/drawing/2010/main" Requires="a14">
+          <p:sp>
+            <p:nvSpPr>
+              <p:cNvPr id="21" name="Rounded Rectangular Callout 20">
+                <a:extLst>
+                  <a:ext uri="{FF2B5EF4-FFF2-40B4-BE49-F238E27FC236}">
+                    <a16:creationId xmlns:a16="http://schemas.microsoft.com/office/drawing/2014/main" id="{41802DC4-3EBA-5142-A033-ED18007D36FB}"/>
+                  </a:ext>
+                </a:extLst>
+              </p:cNvPr>
+              <p:cNvSpPr/>
+              <p:nvPr/>
+            </p:nvSpPr>
+            <p:spPr bwMode="auto">
+              <a:xfrm>
+                <a:off x="3998721" y="2661138"/>
+                <a:ext cx="3798276" cy="3165231"/>
+              </a:xfrm>
+              <a:prstGeom prst="wedgeRoundRectCallout">
+                <a:avLst>
+                  <a:gd name="adj1" fmla="val 34311"/>
+                  <a:gd name="adj2" fmla="val -58302"/>
+                  <a:gd name="adj3" fmla="val 16667"/>
+                </a:avLst>
+              </a:prstGeom>
+              <a:solidFill>
+                <a:schemeClr val="bg1"/>
+              </a:solidFill>
+              <a:ln>
+                <a:solidFill>
+                  <a:schemeClr val="bg1">
+                    <a:lumMod val="75000"/>
+                  </a:schemeClr>
+                </a:solidFill>
+              </a:ln>
+              <a:effectLst/>
+              <a:extLst>
+                <a:ext uri="{909E8E84-426E-40dd-AFC4-6F175D3DCCD1}">
+                  <a14:hiddenFill xmlns="">
+                    <a:solidFill>
+                      <a:schemeClr val="accent1"/>
+                    </a:solidFill>
+                  </a14:hiddenFill>
+                </a:ext>
+                <a:ext uri="{91240B29-F687-4f45-9708-019B960494DF}">
+                  <a14:hiddenLine xmlns="" w="9525" cap="flat" cmpd="sng" algn="ctr">
+                    <a:solidFill>
+                      <a:schemeClr val="tx1"/>
+                    </a:solidFill>
+                    <a:prstDash val="solid"/>
+                    <a:round/>
+                    <a:headEnd type="none" w="med" len="med"/>
+                    <a:tailEnd type="none" w="med" len="med"/>
+                  </a14:hiddenLine>
+                </a:ext>
+                <a:ext uri="{AF507438-7753-43e0-B8FC-AC1667EBCBE1}">
+                  <a14:hiddenEffects xmlns="">
+                    <a:effectLst>
+                      <a:outerShdw blurRad="63500" dist="35921" dir="2700000" algn="ctr" rotWithShape="0">
+                        <a:schemeClr val="bg2"/>
+                      </a:outerShdw>
+                    </a:effectLst>
+                  </a14:hiddenEffects>
+                </a:ext>
+              </a:extLst>
+            </p:spPr>
+            <p:txBody>
+              <a:bodyPr vert="horz" wrap="square" lIns="91440" tIns="45720" rIns="91440" bIns="45720" numCol="1" rtlCol="0" anchor="t" anchorCtr="0" compatLnSpc="1">
+                <a:prstTxWarp prst="textNoShape">
+                  <a:avLst/>
+                </a:prstTxWarp>
+              </a:bodyPr>
+              <a:lstStyle/>
+              <a:p>
+                <a:pPr marL="342900" indent="-342900">
+                  <a:buFont typeface="Arial" panose="020B0604020202020204" pitchFamily="34" charset="0"/>
+                  <a:buChar char="•"/>
+                </a:pPr>
+                <a:r>
+                  <a:rPr lang="ja-JP" altLang="en-US">
+                    <a:solidFill>
+                      <a:schemeClr val="tx1"/>
+                    </a:solidFill>
+                    <a:latin typeface="Hiragino Kaku Gothic Pro W3" charset="-128"/>
+                    <a:ea typeface="Hiragino Kaku Gothic Pro W3" charset="-128"/>
+                    <a:cs typeface="Hiragino Kaku Gothic Pro W3" charset="-128"/>
+                  </a:rPr>
+                  <a:t>内部状態</a:t>
+                </a:r>
+                <a:endParaRPr lang="en-US" altLang="ja-JP" dirty="0">
+                  <a:solidFill>
+                    <a:schemeClr val="tx1"/>
+                  </a:solidFill>
+                  <a:latin typeface="Hiragino Kaku Gothic Pro W3" charset="-128"/>
+                  <a:ea typeface="Hiragino Kaku Gothic Pro W3" charset="-128"/>
+                  <a:cs typeface="Hiragino Kaku Gothic Pro W3" charset="-128"/>
+                </a:endParaRPr>
+              </a:p>
+              <a:p>
+                <a:pPr marL="800100" lvl="1" indent="-342900">
+                  <a:buFont typeface="Arial" panose="020B0604020202020204" pitchFamily="34" charset="0"/>
+                  <a:buChar char="•"/>
+                </a:pPr>
+                <a:r>
+                  <a:rPr lang="ja-JP" altLang="en-US">
+                    <a:solidFill>
+                      <a:schemeClr val="tx1"/>
+                    </a:solidFill>
+                    <a:latin typeface="Hiragino Kaku Gothic Pro W3" charset="-128"/>
+                    <a:ea typeface="Hiragino Kaku Gothic Pro W3" charset="-128"/>
+                    <a:cs typeface="Hiragino Kaku Gothic Pro W3" charset="-128"/>
+                  </a:rPr>
+                  <a:t>腕の角度</a:t>
+                </a:r>
+                <a:r>
+                  <a:rPr lang="en-US" altLang="ja-JP" dirty="0">
+                    <a:solidFill>
+                      <a:schemeClr val="tx1"/>
+                    </a:solidFill>
+                    <a:latin typeface="Hiragino Kaku Gothic Pro W3" charset="-128"/>
+                    <a:ea typeface="Hiragino Kaku Gothic Pro W3" charset="-128"/>
+                    <a:cs typeface="Hiragino Kaku Gothic Pro W3" charset="-128"/>
+                  </a:rPr>
+                  <a:t> </a:t>
+                </a:r>
+                <a14:m>
+                  <m:oMath xmlns:m="http://schemas.openxmlformats.org/officeDocument/2006/math">
+                    <m:sSub>
+                      <m:sSubPr>
+                        <m:ctrlPr>
+                          <a:rPr lang="en-US" altLang="ja-JP" i="1">
+                            <a:solidFill>
+                              <a:schemeClr val="tx1"/>
+                            </a:solidFill>
+                            <a:latin typeface="Cambria Math" panose="02040503050406030204" pitchFamily="18" charset="0"/>
+                            <a:ea typeface="Hiragino Kaku Gothic Pro W3" charset="-128"/>
+                            <a:cs typeface="Hiragino Kaku Gothic Pro W3" charset="-128"/>
+                          </a:rPr>
+                        </m:ctrlPr>
+                      </m:sSubPr>
+                      <m:e>
+                        <m:r>
+                          <a:rPr lang="en-US" altLang="ja-JP" i="1">
+                            <a:solidFill>
+                              <a:schemeClr val="tx1"/>
+                            </a:solidFill>
+                            <a:latin typeface="Cambria Math" panose="02040503050406030204" pitchFamily="18" charset="0"/>
+                            <a:ea typeface="Hiragino Kaku Gothic Pro W3" charset="-128"/>
+                            <a:cs typeface="Hiragino Kaku Gothic Pro W3" charset="-128"/>
+                          </a:rPr>
+                          <m:t>𝜃</m:t>
+                        </m:r>
+                      </m:e>
+                      <m:sub>
+                        <m:r>
+                          <a:rPr lang="en-US" altLang="ja-JP" i="1">
+                            <a:solidFill>
+                              <a:schemeClr val="tx1"/>
+                            </a:solidFill>
+                            <a:latin typeface="Cambria Math" panose="02040503050406030204" pitchFamily="18" charset="0"/>
+                            <a:ea typeface="Hiragino Kaku Gothic Pro W3" charset="-128"/>
+                            <a:cs typeface="Hiragino Kaku Gothic Pro W3" charset="-128"/>
+                          </a:rPr>
+                          <m:t>𝑎</m:t>
+                        </m:r>
+                      </m:sub>
+                    </m:sSub>
+                    <m:r>
+                      <a:rPr lang="en-US" altLang="ja-JP" b="0" i="1" smtClean="0">
+                        <a:solidFill>
+                          <a:schemeClr val="tx1"/>
+                        </a:solidFill>
+                        <a:latin typeface="Cambria Math" panose="02040503050406030204" pitchFamily="18" charset="0"/>
+                        <a:ea typeface="Hiragino Kaku Gothic Pro W3" charset="-128"/>
+                        <a:cs typeface="Hiragino Kaku Gothic Pro W3" charset="-128"/>
+                      </a:rPr>
+                      <m:t>=1.0</m:t>
+                    </m:r>
+                  </m:oMath>
+                </a14:m>
+                <a:r>
+                  <a:rPr lang="en-US" altLang="ja-JP" dirty="0">
+                    <a:solidFill>
+                      <a:schemeClr val="tx1"/>
+                    </a:solidFill>
+                    <a:latin typeface="Hiragino Kaku Gothic Pro W3" charset="-128"/>
+                    <a:ea typeface="Hiragino Kaku Gothic Pro W3" charset="-128"/>
+                    <a:cs typeface="Hiragino Kaku Gothic Pro W3" charset="-128"/>
+                  </a:rPr>
+                  <a:t> </a:t>
+                </a:r>
+              </a:p>
+              <a:p>
+                <a:pPr marL="800100" lvl="1" indent="-342900">
+                  <a:buFont typeface="Arial" panose="020B0604020202020204" pitchFamily="34" charset="0"/>
+                  <a:buChar char="•"/>
+                </a:pPr>
+                <a:r>
+                  <a:rPr lang="ja-JP" altLang="en-US">
+                    <a:solidFill>
+                      <a:schemeClr val="tx1"/>
+                    </a:solidFill>
+                    <a:latin typeface="Hiragino Kaku Gothic Pro W3" charset="-128"/>
+                    <a:ea typeface="Hiragino Kaku Gothic Pro W3" charset="-128"/>
+                    <a:cs typeface="Hiragino Kaku Gothic Pro W3" charset="-128"/>
+                  </a:rPr>
+                  <a:t>足の角度</a:t>
+                </a:r>
+                <a:r>
+                  <a:rPr lang="en-US" altLang="ja-JP" dirty="0">
+                    <a:solidFill>
+                      <a:schemeClr val="tx1"/>
+                    </a:solidFill>
+                    <a:latin typeface="Hiragino Kaku Gothic Pro W3" charset="-128"/>
+                    <a:ea typeface="Hiragino Kaku Gothic Pro W3" charset="-128"/>
+                    <a:cs typeface="Hiragino Kaku Gothic Pro W3" charset="-128"/>
+                  </a:rPr>
+                  <a:t> </a:t>
+                </a:r>
+                <a14:m>
+                  <m:oMath xmlns:m="http://schemas.openxmlformats.org/officeDocument/2006/math">
+                    <m:sSub>
+                      <m:sSubPr>
+                        <m:ctrlPr>
+                          <a:rPr lang="en-US" altLang="ja-JP" i="1">
+                            <a:solidFill>
+                              <a:schemeClr val="tx1"/>
+                            </a:solidFill>
+                            <a:latin typeface="Cambria Math" panose="02040503050406030204" pitchFamily="18" charset="0"/>
+                            <a:ea typeface="Hiragino Kaku Gothic Pro W3" charset="-128"/>
+                            <a:cs typeface="Hiragino Kaku Gothic Pro W3" charset="-128"/>
+                          </a:rPr>
+                        </m:ctrlPr>
+                      </m:sSubPr>
+                      <m:e>
+                        <m:r>
+                          <a:rPr lang="en-US" altLang="ja-JP" i="1">
+                            <a:solidFill>
+                              <a:schemeClr val="tx1"/>
+                            </a:solidFill>
+                            <a:latin typeface="Cambria Math" panose="02040503050406030204" pitchFamily="18" charset="0"/>
+                            <a:ea typeface="Hiragino Kaku Gothic Pro W3" charset="-128"/>
+                            <a:cs typeface="Hiragino Kaku Gothic Pro W3" charset="-128"/>
+                          </a:rPr>
+                          <m:t>𝜃</m:t>
+                        </m:r>
+                      </m:e>
+                      <m:sub>
+                        <m:r>
+                          <a:rPr lang="en-US" altLang="ja-JP" i="1">
+                            <a:solidFill>
+                              <a:schemeClr val="tx1"/>
+                            </a:solidFill>
+                            <a:latin typeface="Cambria Math" panose="02040503050406030204" pitchFamily="18" charset="0"/>
+                            <a:ea typeface="Hiragino Kaku Gothic Pro W3" charset="-128"/>
+                            <a:cs typeface="Hiragino Kaku Gothic Pro W3" charset="-128"/>
+                          </a:rPr>
+                          <m:t>𝑙</m:t>
+                        </m:r>
+                      </m:sub>
+                    </m:sSub>
+                    <m:r>
+                      <a:rPr lang="en-US" altLang="ja-JP" b="0" i="1" smtClean="0">
+                        <a:solidFill>
+                          <a:schemeClr val="tx1"/>
+                        </a:solidFill>
+                        <a:latin typeface="Cambria Math" panose="02040503050406030204" pitchFamily="18" charset="0"/>
+                        <a:ea typeface="Hiragino Kaku Gothic Pro W3" charset="-128"/>
+                        <a:cs typeface="Hiragino Kaku Gothic Pro W3" charset="-128"/>
+                      </a:rPr>
+                      <m:t>=1.0</m:t>
+                    </m:r>
+                  </m:oMath>
+                </a14:m>
+                <a:endParaRPr lang="en-US" altLang="ja-JP" dirty="0">
+                  <a:solidFill>
+                    <a:schemeClr val="tx1"/>
+                  </a:solidFill>
+                  <a:latin typeface="Hiragino Kaku Gothic Pro W3" charset="-128"/>
+                  <a:ea typeface="Hiragino Kaku Gothic Pro W3" charset="-128"/>
+                  <a:cs typeface="Hiragino Kaku Gothic Pro W3" charset="-128"/>
+                </a:endParaRPr>
+              </a:p>
+              <a:p>
+                <a:pPr marL="800100" lvl="1" indent="-342900">
+                  <a:buFont typeface="Arial" panose="020B0604020202020204" pitchFamily="34" charset="0"/>
+                  <a:buChar char="•"/>
+                </a:pPr>
+                <a:r>
+                  <a:rPr lang="ja-JP" altLang="en-US">
+                    <a:solidFill>
+                      <a:schemeClr val="tx1"/>
+                    </a:solidFill>
+                    <a:latin typeface="Hiragino Kaku Gothic Pro W3" charset="-128"/>
+                    <a:ea typeface="Hiragino Kaku Gothic Pro W3" charset="-128"/>
+                    <a:cs typeface="Hiragino Kaku Gothic Pro W3" charset="-128"/>
+                  </a:rPr>
+                  <a:t>記憶</a:t>
+                </a:r>
+                <a:endParaRPr lang="en-US" altLang="ja-JP" dirty="0">
+                  <a:solidFill>
+                    <a:schemeClr val="tx1"/>
+                  </a:solidFill>
+                  <a:latin typeface="Hiragino Kaku Gothic Pro W3" charset="-128"/>
+                  <a:ea typeface="Hiragino Kaku Gothic Pro W3" charset="-128"/>
+                  <a:cs typeface="Hiragino Kaku Gothic Pro W3" charset="-128"/>
+                </a:endParaRPr>
+              </a:p>
+              <a:p>
+                <a:pPr marL="342900" indent="-342900">
+                  <a:buFont typeface="Arial" panose="020B0604020202020204" pitchFamily="34" charset="0"/>
+                  <a:buChar char="•"/>
+                </a:pPr>
+                <a:r>
+                  <a:rPr lang="ja-JP" altLang="en-US">
+                    <a:solidFill>
+                      <a:schemeClr val="tx1"/>
+                    </a:solidFill>
+                    <a:latin typeface="Hiragino Kaku Gothic Pro W3" charset="-128"/>
+                    <a:ea typeface="Hiragino Kaku Gothic Pro W3" charset="-128"/>
+                    <a:cs typeface="Hiragino Kaku Gothic Pro W3" charset="-128"/>
+                  </a:rPr>
+                  <a:t>ロボットに対する命令</a:t>
+                </a:r>
+                <a:endParaRPr lang="en-US" altLang="ja-JP" dirty="0">
+                  <a:solidFill>
+                    <a:schemeClr val="tx1"/>
+                  </a:solidFill>
+                  <a:latin typeface="Hiragino Kaku Gothic Pro W3" charset="-128"/>
+                  <a:ea typeface="Hiragino Kaku Gothic Pro W3" charset="-128"/>
+                  <a:cs typeface="Hiragino Kaku Gothic Pro W3" charset="-128"/>
+                </a:endParaRPr>
+              </a:p>
+              <a:p>
+                <a:pPr marL="800100" lvl="1" indent="-342900">
+                  <a:buFont typeface="Arial" panose="020B0604020202020204" pitchFamily="34" charset="0"/>
+                  <a:buChar char="•"/>
+                </a:pPr>
+                <a:r>
+                  <a:rPr lang="ja-JP" altLang="en-US">
+                    <a:solidFill>
+                      <a:schemeClr val="tx1"/>
+                    </a:solidFill>
+                    <a:latin typeface="Hiragino Kaku Gothic Pro W3" charset="-128"/>
+                    <a:ea typeface="Hiragino Kaku Gothic Pro W3" charset="-128"/>
+                    <a:cs typeface="Hiragino Kaku Gothic Pro W3" charset="-128"/>
+                  </a:rPr>
+                  <a:t>立て！</a:t>
+                </a:r>
+                <a:endParaRPr lang="en-US" altLang="ja-JP" dirty="0">
+                  <a:solidFill>
+                    <a:schemeClr val="tx1"/>
+                  </a:solidFill>
+                  <a:latin typeface="Hiragino Kaku Gothic Pro W3" charset="-128"/>
+                  <a:ea typeface="Hiragino Kaku Gothic Pro W3" charset="-128"/>
+                  <a:cs typeface="Hiragino Kaku Gothic Pro W3" charset="-128"/>
+                </a:endParaRPr>
+              </a:p>
+              <a:p>
+                <a:pPr marL="800100" lvl="1" indent="-342900">
+                  <a:buFont typeface="Arial" panose="020B0604020202020204" pitchFamily="34" charset="0"/>
+                  <a:buChar char="•"/>
+                </a:pPr>
+                <a:r>
+                  <a:rPr lang="ja-JP" altLang="en-US">
+                    <a:solidFill>
+                      <a:schemeClr val="tx1"/>
+                    </a:solidFill>
+                    <a:latin typeface="Hiragino Kaku Gothic Pro W3" charset="-128"/>
+                    <a:ea typeface="Hiragino Kaku Gothic Pro W3" charset="-128"/>
+                    <a:cs typeface="Hiragino Kaku Gothic Pro W3" charset="-128"/>
+                  </a:rPr>
+                  <a:t>座れ！</a:t>
+                </a:r>
+                <a:endParaRPr lang="en-US" altLang="ja-JP" dirty="0">
+                  <a:solidFill>
+                    <a:schemeClr val="tx1"/>
+                  </a:solidFill>
+                  <a:latin typeface="Hiragino Kaku Gothic Pro W3" charset="-128"/>
+                  <a:ea typeface="Hiragino Kaku Gothic Pro W3" charset="-128"/>
+                  <a:cs typeface="Hiragino Kaku Gothic Pro W3" charset="-128"/>
+                </a:endParaRPr>
+              </a:p>
+              <a:p>
+                <a:pPr marL="800100" lvl="1" indent="-342900">
+                  <a:buFont typeface="Arial" panose="020B0604020202020204" pitchFamily="34" charset="0"/>
+                  <a:buChar char="•"/>
+                </a:pPr>
+                <a:r>
+                  <a:rPr lang="ja-JP" altLang="en-US">
+                    <a:solidFill>
+                      <a:schemeClr val="tx1"/>
+                    </a:solidFill>
+                    <a:latin typeface="Hiragino Kaku Gothic Pro W3" charset="-128"/>
+                    <a:ea typeface="Hiragino Kaku Gothic Pro W3" charset="-128"/>
+                    <a:cs typeface="Hiragino Kaku Gothic Pro W3" charset="-128"/>
+                  </a:rPr>
+                  <a:t>覚えろ！</a:t>
+                </a:r>
+                <a:endParaRPr lang="en-US" dirty="0">
+                  <a:solidFill>
+                    <a:schemeClr val="tx1"/>
+                  </a:solidFill>
+                  <a:latin typeface="Hiragino Kaku Gothic Pro W3" charset="-128"/>
+                  <a:ea typeface="Hiragino Kaku Gothic Pro W3" charset="-128"/>
+                  <a:cs typeface="Hiragino Kaku Gothic Pro W3" charset="-128"/>
+                </a:endParaRPr>
+              </a:p>
+            </p:txBody>
+          </p:sp>
+        </mc:Choice>
+        <mc:Fallback>
+          <p:sp>
+            <p:nvSpPr>
+              <p:cNvPr id="21" name="Rounded Rectangular Callout 20">
+                <a:extLst>
+                  <a:ext uri="{FF2B5EF4-FFF2-40B4-BE49-F238E27FC236}">
+                    <a16:creationId xmlns:a16="http://schemas.microsoft.com/office/drawing/2014/main" id="{41802DC4-3EBA-5142-A033-ED18007D36FB}"/>
+                  </a:ext>
+                </a:extLst>
+              </p:cNvPr>
+              <p:cNvSpPr>
+                <a:spLocks noRot="1" noChangeAspect="1" noMove="1" noResize="1" noEditPoints="1" noAdjustHandles="1" noChangeArrowheads="1" noChangeShapeType="1" noTextEdit="1"/>
+              </p:cNvSpPr>
+              <p:nvPr/>
+            </p:nvSpPr>
+            <p:spPr bwMode="auto">
+              <a:xfrm>
+                <a:off x="3998721" y="2661138"/>
+                <a:ext cx="3798276" cy="3165231"/>
+              </a:xfrm>
+              <a:prstGeom prst="wedgeRoundRectCallout">
+                <a:avLst>
+                  <a:gd name="adj1" fmla="val 34311"/>
+                  <a:gd name="adj2" fmla="val -58302"/>
+                  <a:gd name="adj3" fmla="val 16667"/>
+                </a:avLst>
+              </a:prstGeom>
+              <a:blipFill>
+                <a:blip r:embed="rId3"/>
+                <a:stretch>
+                  <a:fillRect/>
+                </a:stretch>
+              </a:blipFill>
+              <a:ln>
+                <a:solidFill>
+                  <a:schemeClr val="bg1">
+                    <a:lumMod val="75000"/>
+                  </a:schemeClr>
+                </a:solidFill>
+              </a:ln>
+              <a:effectLst/>
+              <a:extLst>
+                <a:ext uri="{909E8E84-426E-40dd-AFC4-6F175D3DCCD1}">
+                  <a14:hiddenFill xmlns:a14="http://schemas.microsoft.com/office/drawing/2010/main" xmlns="">
+                    <a:solidFill>
+                      <a:schemeClr val="accent1"/>
+                    </a:solidFill>
+                  </a14:hiddenFill>
+                </a:ext>
+                <a:ext uri="{91240B29-F687-4f45-9708-019B960494DF}">
+                  <a14:hiddenLine xmlns:a14="http://schemas.microsoft.com/office/drawing/2010/main" xmlns="" w="9525" cap="flat" cmpd="sng" algn="ctr">
+                    <a:solidFill>
+                      <a:schemeClr val="tx1"/>
+                    </a:solidFill>
+                    <a:prstDash val="solid"/>
+                    <a:round/>
+                    <a:headEnd type="none" w="med" len="med"/>
+                    <a:tailEnd type="none" w="med" len="med"/>
+                  </a14:hiddenLine>
+                </a:ext>
+                <a:ext uri="{AF507438-7753-43e0-B8FC-AC1667EBCBE1}">
+                  <a14:hiddenEffects xmlns:a14="http://schemas.microsoft.com/office/drawing/2010/main" xmlns="">
+                    <a:effectLst>
+                      <a:outerShdw blurRad="63500" dist="35921" dir="2700000" algn="ctr" rotWithShape="0">
+                        <a:schemeClr val="bg2"/>
+                      </a:outerShdw>
+                    </a:effectLst>
+                  </a14:hiddenEffects>
+                </a:ext>
+              </a:extLst>
+            </p:spPr>
+            <p:txBody>
+              <a:bodyPr/>
+              <a:lstStyle/>
+              <a:p>
+                <a:r>
+                  <a:rPr lang="en-US">
+                    <a:noFill/>
+                  </a:rPr>
+                  <a:t> </a:t>
+                </a:r>
+              </a:p>
+            </p:txBody>
+          </p:sp>
+        </mc:Fallback>
+      </mc:AlternateContent>
+    </p:spTree>
+    <p:extLst>
+      <p:ext uri="{BB962C8B-B14F-4D97-AF65-F5344CB8AC3E}">
+        <p14:creationId xmlns:p14="http://schemas.microsoft.com/office/powerpoint/2010/main" val="662662169"/>
+      </p:ext>
+    </p:extLst>
+  </p:cSld>
+  <p:clrMapOvr>
+    <a:masterClrMapping/>
+  </p:clrMapOvr>
+</p:sld>
+</file>
+
+<file path=ppt/slides/slide4.xml><?xml version="1.0" encoding="utf-8"?>
+<p:sld xmlns:a="http://schemas.openxmlformats.org/drawingml/2006/main" xmlns:r="http://schemas.openxmlformats.org/officeDocument/2006/relationships" xmlns:p="http://schemas.openxmlformats.org/presentationml/2006/main">
+  <p:cSld>
+    <p:spTree>
+      <p:nvGrpSpPr>
+        <p:cNvPr id="1" name=""/>
+        <p:cNvGrpSpPr/>
+        <p:nvPr/>
+      </p:nvGrpSpPr>
+      <p:grpSpPr>
+        <a:xfrm>
+          <a:off x="0" y="0"/>
+          <a:ext cx="0" cy="0"/>
+          <a:chOff x="0" y="0"/>
+          <a:chExt cx="0" cy="0"/>
+        </a:xfrm>
+      </p:grpSpPr>
+      <mc:AlternateContent xmlns:mc="http://schemas.openxmlformats.org/markup-compatibility/2006">
+        <mc:Choice xmlns:a14="http://schemas.microsoft.com/office/drawing/2010/main" Requires="a14">
+          <p:sp>
+            <p:nvSpPr>
+              <p:cNvPr id="10" name="TextBox 9">
+                <a:extLst>
+                  <a:ext uri="{FF2B5EF4-FFF2-40B4-BE49-F238E27FC236}">
+                    <a16:creationId xmlns:a16="http://schemas.microsoft.com/office/drawing/2014/main" id="{82728267-B396-5B40-9895-221BD5EF4708}"/>
+                  </a:ext>
+                </a:extLst>
+              </p:cNvPr>
+              <p:cNvSpPr txBox="1"/>
+              <p:nvPr/>
+            </p:nvSpPr>
+            <p:spPr>
+              <a:xfrm>
+                <a:off x="504093" y="855784"/>
+                <a:ext cx="1926938" cy="1446550"/>
+              </a:xfrm>
+              <a:prstGeom prst="rect">
+                <a:avLst/>
+              </a:prstGeom>
+              <a:noFill/>
+            </p:spPr>
+            <p:txBody>
+              <a:bodyPr wrap="none" rtlCol="0">
+                <a:spAutoFit/>
+              </a:bodyPr>
+              <a:lstStyle/>
+              <a:p>
+                <a:r>
+                  <a:rPr lang="ja-JP" altLang="en-US">
+                    <a:solidFill>
+                      <a:schemeClr val="tx1"/>
+                    </a:solidFill>
+                    <a:latin typeface="Hiragino Kaku Gothic Pro W3" charset="-128"/>
+                    <a:ea typeface="Hiragino Kaku Gothic Pro W3" charset="-128"/>
+                    <a:cs typeface="Hiragino Kaku Gothic Pro W3" charset="-128"/>
+                  </a:rPr>
+                  <a:t>初期内部状態</a:t>
+                </a:r>
+                <a:endParaRPr lang="en-US" altLang="ja-JP" dirty="0">
+                  <a:solidFill>
+                    <a:schemeClr val="tx1"/>
+                  </a:solidFill>
+                  <a:latin typeface="Hiragino Kaku Gothic Pro W3" charset="-128"/>
+                  <a:ea typeface="Hiragino Kaku Gothic Pro W3" charset="-128"/>
+                  <a:cs typeface="Hiragino Kaku Gothic Pro W3" charset="-128"/>
+                </a:endParaRPr>
+              </a:p>
+              <a:p>
+                <a:endParaRPr lang="en-US" altLang="ja-JP" dirty="0">
+                  <a:solidFill>
+                    <a:schemeClr val="tx1"/>
+                  </a:solidFill>
+                  <a:latin typeface="Hiragino Kaku Gothic Pro W3" charset="-128"/>
+                  <a:ea typeface="Hiragino Kaku Gothic Pro W3" charset="-128"/>
+                  <a:cs typeface="Hiragino Kaku Gothic Pro W3" charset="-128"/>
+                </a:endParaRPr>
+              </a:p>
+              <a:p>
+                <a14:m>
+                  <m:oMathPara xmlns:m="http://schemas.openxmlformats.org/officeDocument/2006/math">
+                    <m:oMathParaPr>
+                      <m:jc m:val="centerGroup"/>
+                    </m:oMathParaPr>
+                    <m:oMath xmlns:m="http://schemas.openxmlformats.org/officeDocument/2006/math">
+                      <m:r>
+                        <a:rPr lang="en-US" b="0" i="1" smtClean="0">
+                          <a:solidFill>
+                            <a:schemeClr val="tx1"/>
+                          </a:solidFill>
+                          <a:latin typeface="Cambria Math" panose="02040503050406030204" pitchFamily="18" charset="0"/>
+                          <a:ea typeface="Hiragino Kaku Gothic Pro W3" charset="-128"/>
+                          <a:cs typeface="Hiragino Kaku Gothic Pro W3" charset="-128"/>
+                        </a:rPr>
+                        <m:t>𝜇</m:t>
+                      </m:r>
+                      <m:r>
+                        <a:rPr lang="en-US" i="1">
+                          <a:solidFill>
+                            <a:schemeClr val="tx1"/>
+                          </a:solidFill>
+                          <a:latin typeface="Cambria Math" panose="02040503050406030204" pitchFamily="18" charset="0"/>
+                          <a:ea typeface="Hiragino Kaku Gothic Pro W3" charset="-128"/>
+                          <a:cs typeface="Hiragino Kaku Gothic Pro W3" charset="-128"/>
+                        </a:rPr>
+                        <m:t>=1.0</m:t>
+                      </m:r>
+                    </m:oMath>
+                  </m:oMathPara>
+                </a14:m>
+                <a:endParaRPr lang="en-US" dirty="0">
+                  <a:solidFill>
+                    <a:schemeClr val="tx1"/>
+                  </a:solidFill>
+                  <a:latin typeface="Hiragino Kaku Gothic Pro W3" charset="-128"/>
+                  <a:ea typeface="Hiragino Kaku Gothic Pro W3" charset="-128"/>
+                  <a:cs typeface="Hiragino Kaku Gothic Pro W3" charset="-128"/>
+                </a:endParaRPr>
+              </a:p>
+              <a:p>
+                <a14:m>
+                  <m:oMathPara xmlns:m="http://schemas.openxmlformats.org/officeDocument/2006/math">
+                    <m:oMathParaPr>
+                      <m:jc m:val="centerGroup"/>
+                    </m:oMathParaPr>
+                    <m:oMath xmlns:m="http://schemas.openxmlformats.org/officeDocument/2006/math">
+                      <m:r>
+                        <a:rPr lang="en-US" b="0" i="1" smtClean="0">
+                          <a:solidFill>
+                            <a:schemeClr val="tx1"/>
+                          </a:solidFill>
+                          <a:latin typeface="Cambria Math" panose="02040503050406030204" pitchFamily="18" charset="0"/>
+                          <a:ea typeface="Hiragino Kaku Gothic Pro W3" charset="-128"/>
+                          <a:cs typeface="Hiragino Kaku Gothic Pro W3" charset="-128"/>
+                        </a:rPr>
+                        <m:t>𝜎</m:t>
+                      </m:r>
+                      <m:r>
+                        <a:rPr lang="en-US" i="1">
+                          <a:solidFill>
+                            <a:schemeClr val="tx1"/>
+                          </a:solidFill>
+                          <a:latin typeface="Cambria Math" panose="02040503050406030204" pitchFamily="18" charset="0"/>
+                          <a:ea typeface="Hiragino Kaku Gothic Pro W3" charset="-128"/>
+                          <a:cs typeface="Hiragino Kaku Gothic Pro W3" charset="-128"/>
+                        </a:rPr>
+                        <m:t>=1.0</m:t>
+                      </m:r>
+                    </m:oMath>
+                  </m:oMathPara>
+                </a14:m>
+                <a:endParaRPr lang="en-US" dirty="0">
+                  <a:solidFill>
+                    <a:schemeClr val="tx1"/>
+                  </a:solidFill>
+                  <a:latin typeface="Hiragino Kaku Gothic Pro W3" charset="-128"/>
+                  <a:ea typeface="Hiragino Kaku Gothic Pro W3" charset="-128"/>
+                  <a:cs typeface="Hiragino Kaku Gothic Pro W3" charset="-128"/>
+                </a:endParaRPr>
+              </a:p>
+            </p:txBody>
+          </p:sp>
+        </mc:Choice>
+        <mc:Fallback>
+          <p:sp>
+            <p:nvSpPr>
+              <p:cNvPr id="10" name="TextBox 9">
+                <a:extLst>
+                  <a:ext uri="{FF2B5EF4-FFF2-40B4-BE49-F238E27FC236}">
+                    <a16:creationId xmlns:a16="http://schemas.microsoft.com/office/drawing/2014/main" id="{82728267-B396-5B40-9895-221BD5EF4708}"/>
+                  </a:ext>
+                </a:extLst>
+              </p:cNvPr>
+              <p:cNvSpPr txBox="1">
+                <a:spLocks noRot="1" noChangeAspect="1" noMove="1" noResize="1" noEditPoints="1" noAdjustHandles="1" noChangeArrowheads="1" noChangeShapeType="1" noTextEdit="1"/>
+              </p:cNvSpPr>
+              <p:nvPr/>
+            </p:nvSpPr>
+            <p:spPr>
+              <a:xfrm>
+                <a:off x="504093" y="855784"/>
+                <a:ext cx="1926938" cy="1446550"/>
+              </a:xfrm>
+              <a:prstGeom prst="rect">
+                <a:avLst/>
+              </a:prstGeom>
+              <a:blipFill>
+                <a:blip r:embed="rId2"/>
+                <a:stretch>
+                  <a:fillRect l="-3947" t="-1739" r="-658"/>
+                </a:stretch>
+              </a:blipFill>
+            </p:spPr>
+            <p:txBody>
+              <a:bodyPr/>
+              <a:lstStyle/>
+              <a:p>
+                <a:r>
+                  <a:rPr lang="en-US">
+                    <a:noFill/>
+                  </a:rPr>
+                  <a:t> </a:t>
+                </a:r>
+              </a:p>
+            </p:txBody>
+          </p:sp>
+        </mc:Fallback>
+      </mc:AlternateContent>
+      <p:grpSp>
+        <p:nvGrpSpPr>
+          <p:cNvPr id="19" name="Group 18">
+            <a:extLst>
+              <a:ext uri="{FF2B5EF4-FFF2-40B4-BE49-F238E27FC236}">
+                <a16:creationId xmlns:a16="http://schemas.microsoft.com/office/drawing/2014/main" id="{03E60ADF-63B8-DA4D-99F0-2C22B337EEC4}"/>
+              </a:ext>
+            </a:extLst>
+          </p:cNvPr>
+          <p:cNvGrpSpPr/>
+          <p:nvPr/>
+        </p:nvGrpSpPr>
+        <p:grpSpPr>
+          <a:xfrm>
+            <a:off x="3660670" y="517230"/>
+            <a:ext cx="1313180" cy="2097016"/>
+            <a:chOff x="3459857" y="517230"/>
+            <a:chExt cx="1313180" cy="2097016"/>
+          </a:xfrm>
+        </p:grpSpPr>
+        <p:sp>
+          <p:nvSpPr>
+            <p:cNvPr id="11" name="TextBox 10">
+              <a:extLst>
+                <a:ext uri="{FF2B5EF4-FFF2-40B4-BE49-F238E27FC236}">
+                  <a16:creationId xmlns:a16="http://schemas.microsoft.com/office/drawing/2014/main" id="{228EC50F-EDED-8F42-99E2-DF78BC545441}"/>
+                </a:ext>
+              </a:extLst>
+            </p:cNvPr>
+            <p:cNvSpPr txBox="1"/>
+            <p:nvPr/>
+          </p:nvSpPr>
+          <p:spPr>
+            <a:xfrm>
+              <a:off x="3511151" y="1290807"/>
+              <a:ext cx="1210588" cy="1323439"/>
+            </a:xfrm>
+            <a:prstGeom prst="rect">
+              <a:avLst/>
+            </a:prstGeom>
+            <a:noFill/>
+          </p:spPr>
+          <p:txBody>
+            <a:bodyPr wrap="none" rtlCol="0">
+              <a:spAutoFit/>
+            </a:bodyPr>
+            <a:lstStyle/>
+            <a:p>
+              <a:r>
+                <a:rPr lang="ja-JP" altLang="en-US" sz="8000">
+                  <a:solidFill>
+                    <a:schemeClr val="tx1"/>
+                  </a:solidFill>
+                  <a:latin typeface="Hiragino Kaku Gothic Pro W3" charset="-128"/>
+                  <a:ea typeface="Hiragino Kaku Gothic Pro W3" charset="-128"/>
+                  <a:cs typeface="Hiragino Kaku Gothic Pro W3" charset="-128"/>
+                </a:rPr>
+                <a:t>📄</a:t>
+              </a:r>
+              <a:endParaRPr lang="en-US" sz="8000" dirty="0">
+                <a:solidFill>
+                  <a:schemeClr val="tx1"/>
+                </a:solidFill>
+                <a:latin typeface="Hiragino Kaku Gothic Pro W3" charset="-128"/>
+                <a:ea typeface="Hiragino Kaku Gothic Pro W3" charset="-128"/>
+                <a:cs typeface="Hiragino Kaku Gothic Pro W3" charset="-128"/>
+              </a:endParaRPr>
+            </a:p>
+          </p:txBody>
+        </p:sp>
+        <p:sp>
+          <p:nvSpPr>
+            <p:cNvPr id="12" name="TextBox 11">
+              <a:extLst>
+                <a:ext uri="{FF2B5EF4-FFF2-40B4-BE49-F238E27FC236}">
+                  <a16:creationId xmlns:a16="http://schemas.microsoft.com/office/drawing/2014/main" id="{82177414-779B-884C-9C07-25133BD95D6B}"/>
+                </a:ext>
+              </a:extLst>
+            </p:cNvPr>
+            <p:cNvSpPr txBox="1"/>
+            <p:nvPr/>
+          </p:nvSpPr>
+          <p:spPr>
+            <a:xfrm>
+              <a:off x="3459857" y="517230"/>
+              <a:ext cx="1313180" cy="769441"/>
+            </a:xfrm>
+            <a:prstGeom prst="rect">
+              <a:avLst/>
+            </a:prstGeom>
+            <a:noFill/>
+          </p:spPr>
+          <p:txBody>
+            <a:bodyPr wrap="none" rtlCol="0" anchor="b">
+              <a:spAutoFit/>
+            </a:bodyPr>
+            <a:lstStyle/>
+            <a:p>
+              <a:pPr algn="ctr"/>
+              <a:r>
+                <a:rPr lang="ja-JP" altLang="en-US">
+                  <a:solidFill>
+                    <a:schemeClr val="tx1"/>
+                  </a:solidFill>
+                  <a:latin typeface="Hiragino Kaku Gothic Pro W3" charset="-128"/>
+                  <a:ea typeface="Hiragino Kaku Gothic Pro W3" charset="-128"/>
+                  <a:cs typeface="Hiragino Kaku Gothic Pro W3" charset="-128"/>
+                </a:rPr>
+                <a:t>正規分布</a:t>
+              </a:r>
+              <a:endParaRPr lang="en-US" altLang="ja-JP" dirty="0">
+                <a:solidFill>
+                  <a:schemeClr val="tx1"/>
+                </a:solidFill>
+                <a:latin typeface="Hiragino Kaku Gothic Pro W3" charset="-128"/>
+                <a:ea typeface="Hiragino Kaku Gothic Pro W3" charset="-128"/>
+                <a:cs typeface="Hiragino Kaku Gothic Pro W3" charset="-128"/>
+              </a:endParaRPr>
+            </a:p>
+            <a:p>
+              <a:pPr algn="ctr"/>
+              <a:r>
+                <a:rPr lang="ja-JP" altLang="en-US">
+                  <a:solidFill>
+                    <a:schemeClr val="tx1"/>
+                  </a:solidFill>
+                  <a:latin typeface="Hiragino Kaku Gothic Pro W3" charset="-128"/>
+                  <a:ea typeface="Hiragino Kaku Gothic Pro W3" charset="-128"/>
+                  <a:cs typeface="Hiragino Kaku Gothic Pro W3" charset="-128"/>
+                </a:rPr>
+                <a:t>クラス</a:t>
+              </a:r>
+              <a:endParaRPr lang="en-US" dirty="0">
+                <a:solidFill>
+                  <a:schemeClr val="tx1"/>
+                </a:solidFill>
+                <a:latin typeface="Hiragino Kaku Gothic Pro W3" charset="-128"/>
+                <a:ea typeface="Hiragino Kaku Gothic Pro W3" charset="-128"/>
+                <a:cs typeface="Hiragino Kaku Gothic Pro W3" charset="-128"/>
+              </a:endParaRPr>
+            </a:p>
+          </p:txBody>
+        </p:sp>
+      </p:grpSp>
+      <p:grpSp>
+        <p:nvGrpSpPr>
+          <p:cNvPr id="20" name="Group 19">
+            <a:extLst>
+              <a:ext uri="{FF2B5EF4-FFF2-40B4-BE49-F238E27FC236}">
+                <a16:creationId xmlns:a16="http://schemas.microsoft.com/office/drawing/2014/main" id="{4177CB98-5A6C-6D42-B6E5-5922221A8897}"/>
+              </a:ext>
+            </a:extLst>
+          </p:cNvPr>
+          <p:cNvGrpSpPr/>
+          <p:nvPr/>
+        </p:nvGrpSpPr>
+        <p:grpSpPr>
+          <a:xfrm>
+            <a:off x="6252985" y="517230"/>
+            <a:ext cx="1877437" cy="2097016"/>
+            <a:chOff x="6252985" y="517230"/>
+            <a:chExt cx="1877437" cy="2097016"/>
+          </a:xfrm>
+        </p:grpSpPr>
+        <p:sp>
+          <p:nvSpPr>
+            <p:cNvPr id="6" name="TextBox 5">
+              <a:extLst>
+                <a:ext uri="{FF2B5EF4-FFF2-40B4-BE49-F238E27FC236}">
+                  <a16:creationId xmlns:a16="http://schemas.microsoft.com/office/drawing/2014/main" id="{CDA61540-CB3D-4548-94B6-D6039ADC88F3}"/>
+                </a:ext>
+              </a:extLst>
+            </p:cNvPr>
+            <p:cNvSpPr txBox="1"/>
+            <p:nvPr/>
+          </p:nvSpPr>
+          <p:spPr>
+            <a:xfrm>
+              <a:off x="6586409" y="1290807"/>
+              <a:ext cx="1210588" cy="1323439"/>
+            </a:xfrm>
+            <a:prstGeom prst="rect">
+              <a:avLst/>
+            </a:prstGeom>
+            <a:noFill/>
+          </p:spPr>
+          <p:txBody>
+            <a:bodyPr wrap="none" rtlCol="0">
+              <a:spAutoFit/>
+            </a:bodyPr>
+            <a:lstStyle/>
+            <a:p>
+              <a:pPr algn="ctr"/>
+              <a:r>
+                <a:rPr lang="ja-JP" altLang="en-US" sz="8000">
+                  <a:solidFill>
+                    <a:schemeClr val="tx1"/>
+                  </a:solidFill>
+                  <a:latin typeface="Hiragino Kaku Gothic Pro W3" charset="-128"/>
+                  <a:ea typeface="Hiragino Kaku Gothic Pro W3" charset="-128"/>
+                  <a:cs typeface="Hiragino Kaku Gothic Pro W3" charset="-128"/>
+                </a:rPr>
+                <a:t>🤖</a:t>
+              </a:r>
+              <a:endParaRPr lang="en-US" sz="8000" dirty="0">
+                <a:solidFill>
+                  <a:schemeClr val="tx1"/>
+                </a:solidFill>
+                <a:latin typeface="Hiragino Kaku Gothic Pro W3" charset="-128"/>
+                <a:ea typeface="Hiragino Kaku Gothic Pro W3" charset="-128"/>
+                <a:cs typeface="Hiragino Kaku Gothic Pro W3" charset="-128"/>
+              </a:endParaRPr>
+            </a:p>
+          </p:txBody>
+        </p:sp>
+        <p:sp>
+          <p:nvSpPr>
+            <p:cNvPr id="13" name="TextBox 12">
+              <a:extLst>
+                <a:ext uri="{FF2B5EF4-FFF2-40B4-BE49-F238E27FC236}">
+                  <a16:creationId xmlns:a16="http://schemas.microsoft.com/office/drawing/2014/main" id="{730875C0-49C5-7549-8744-98C11FD8B14F}"/>
+                </a:ext>
+              </a:extLst>
+            </p:cNvPr>
+            <p:cNvSpPr txBox="1"/>
+            <p:nvPr/>
+          </p:nvSpPr>
+          <p:spPr>
+            <a:xfrm>
+              <a:off x="6252985" y="517230"/>
+              <a:ext cx="1877437" cy="769441"/>
+            </a:xfrm>
+            <a:prstGeom prst="rect">
+              <a:avLst/>
+            </a:prstGeom>
+            <a:noFill/>
+          </p:spPr>
+          <p:txBody>
+            <a:bodyPr wrap="none" rtlCol="0" anchor="b">
+              <a:spAutoFit/>
+            </a:bodyPr>
+            <a:lstStyle/>
+            <a:p>
+              <a:pPr algn="ctr"/>
+              <a:r>
+                <a:rPr lang="ja-JP" altLang="en-US">
+                  <a:solidFill>
+                    <a:schemeClr val="tx1"/>
+                  </a:solidFill>
+                  <a:latin typeface="Hiragino Kaku Gothic Pro W3" charset="-128"/>
+                  <a:ea typeface="Hiragino Kaku Gothic Pro W3" charset="-128"/>
+                  <a:cs typeface="Hiragino Kaku Gothic Pro W3" charset="-128"/>
+                </a:rPr>
+                <a:t>正規分布</a:t>
+              </a:r>
+              <a:endParaRPr lang="en-US" altLang="ja-JP" dirty="0">
+                <a:solidFill>
+                  <a:schemeClr val="tx1"/>
+                </a:solidFill>
+                <a:latin typeface="Hiragino Kaku Gothic Pro W3" charset="-128"/>
+                <a:ea typeface="Hiragino Kaku Gothic Pro W3" charset="-128"/>
+                <a:cs typeface="Hiragino Kaku Gothic Pro W3" charset="-128"/>
+              </a:endParaRPr>
+            </a:p>
+            <a:p>
+              <a:pPr algn="ctr"/>
+              <a:r>
+                <a:rPr lang="ja-JP" altLang="en-US">
+                  <a:solidFill>
+                    <a:schemeClr val="tx1"/>
+                  </a:solidFill>
+                  <a:latin typeface="Hiragino Kaku Gothic Pro W3" charset="-128"/>
+                  <a:ea typeface="Hiragino Kaku Gothic Pro W3" charset="-128"/>
+                  <a:cs typeface="Hiragino Kaku Gothic Pro W3" charset="-128"/>
+                </a:rPr>
+                <a:t>オブジェクト</a:t>
+              </a:r>
+              <a:endParaRPr lang="en-US" dirty="0">
+                <a:solidFill>
+                  <a:schemeClr val="tx1"/>
+                </a:solidFill>
+                <a:latin typeface="Hiragino Kaku Gothic Pro W3" charset="-128"/>
+                <a:ea typeface="Hiragino Kaku Gothic Pro W3" charset="-128"/>
+                <a:cs typeface="Hiragino Kaku Gothic Pro W3" charset="-128"/>
+              </a:endParaRPr>
+            </a:p>
+          </p:txBody>
+        </p:sp>
+      </p:grpSp>
+      <p:cxnSp>
+        <p:nvCxnSpPr>
+          <p:cNvPr id="15" name="Straight Arrow Connector 14">
+            <a:extLst>
+              <a:ext uri="{FF2B5EF4-FFF2-40B4-BE49-F238E27FC236}">
+                <a16:creationId xmlns:a16="http://schemas.microsoft.com/office/drawing/2014/main" id="{2D466002-9505-4D4B-BB36-34F0CFEB76C9}"/>
+              </a:ext>
+            </a:extLst>
+          </p:cNvPr>
+          <p:cNvCxnSpPr>
+            <a:endCxn id="11" idx="1"/>
+          </p:cNvCxnSpPr>
+          <p:nvPr/>
+        </p:nvCxnSpPr>
+        <p:spPr bwMode="auto">
+          <a:xfrm>
+            <a:off x="2473569" y="1952526"/>
+            <a:ext cx="1238395" cy="1"/>
+          </a:xfrm>
+          <a:prstGeom prst="straightConnector1">
+            <a:avLst/>
+          </a:prstGeom>
+          <a:noFill/>
+          <a:ln>
+            <a:solidFill>
+              <a:schemeClr val="accent4"/>
+            </a:solidFill>
+            <a:tailEnd type="triangle"/>
+          </a:ln>
+          <a:effectLst/>
+          <a:extLst>
+            <a:ext uri="{909E8E84-426E-40dd-AFC4-6F175D3DCCD1}">
+              <a14:hiddenFill xmlns:a14="http://schemas.microsoft.com/office/drawing/2010/main" xmlns="">
+                <a:solidFill>
+                  <a:schemeClr val="accent1"/>
+                </a:solidFill>
+              </a14:hiddenFill>
+            </a:ext>
+            <a:ext uri="{91240B29-F687-4f45-9708-019B960494DF}">
+              <a14:hiddenLine xmlns:a14="http://schemas.microsoft.com/office/drawing/2010/main" xmlns="" w="9525" cap="flat" cmpd="sng" algn="ctr">
+                <a:solidFill>
+                  <a:schemeClr val="tx1"/>
+                </a:solidFill>
+                <a:prstDash val="solid"/>
+                <a:round/>
+                <a:headEnd type="none" w="med" len="med"/>
+                <a:tailEnd type="none" w="med" len="med"/>
+              </a14:hiddenLine>
+            </a:ext>
+            <a:ext uri="{AF507438-7753-43e0-B8FC-AC1667EBCBE1}">
+              <a14:hiddenEffects xmlns:a14="http://schemas.microsoft.com/office/drawing/2010/main" xmlns="">
+                <a:effectLst>
+                  <a:outerShdw blurRad="63500" dist="35921" dir="2700000" algn="ctr" rotWithShape="0">
+                    <a:schemeClr val="bg2"/>
+                  </a:outerShdw>
+                </a:effectLst>
+              </a14:hiddenEffects>
+            </a:ext>
+          </a:extLst>
+        </p:spPr>
+      </p:cxnSp>
+      <p:cxnSp>
+        <p:nvCxnSpPr>
+          <p:cNvPr id="16" name="Straight Arrow Connector 15">
+            <a:extLst>
+              <a:ext uri="{FF2B5EF4-FFF2-40B4-BE49-F238E27FC236}">
+                <a16:creationId xmlns:a16="http://schemas.microsoft.com/office/drawing/2014/main" id="{AAE98BCC-4755-A842-853C-E391B3B20A0E}"/>
+              </a:ext>
+            </a:extLst>
+          </p:cNvPr>
+          <p:cNvCxnSpPr>
+            <a:cxnSpLocks/>
+            <a:stCxn id="11" idx="3"/>
+            <a:endCxn id="6" idx="1"/>
+          </p:cNvCxnSpPr>
+          <p:nvPr/>
+        </p:nvCxnSpPr>
+        <p:spPr bwMode="auto">
+          <a:xfrm>
+            <a:off x="4922552" y="1952527"/>
+            <a:ext cx="1663857" cy="0"/>
+          </a:xfrm>
+          <a:prstGeom prst="straightConnector1">
+            <a:avLst/>
+          </a:prstGeom>
+          <a:noFill/>
+          <a:ln>
+            <a:solidFill>
+              <a:schemeClr val="accent4"/>
+            </a:solidFill>
+            <a:tailEnd type="triangle"/>
+          </a:ln>
+          <a:effectLst/>
+          <a:extLst>
+            <a:ext uri="{909E8E84-426E-40dd-AFC4-6F175D3DCCD1}">
+              <a14:hiddenFill xmlns:a14="http://schemas.microsoft.com/office/drawing/2010/main" xmlns="">
+                <a:solidFill>
+                  <a:schemeClr val="accent1"/>
+                </a:solidFill>
+              </a14:hiddenFill>
+            </a:ext>
+            <a:ext uri="{91240B29-F687-4f45-9708-019B960494DF}">
+              <a14:hiddenLine xmlns:a14="http://schemas.microsoft.com/office/drawing/2010/main" xmlns="" w="9525" cap="flat" cmpd="sng" algn="ctr">
+                <a:solidFill>
+                  <a:schemeClr val="tx1"/>
+                </a:solidFill>
+                <a:prstDash val="solid"/>
+                <a:round/>
+                <a:headEnd type="none" w="med" len="med"/>
+                <a:tailEnd type="none" w="med" len="med"/>
+              </a14:hiddenLine>
+            </a:ext>
+            <a:ext uri="{AF507438-7753-43e0-B8FC-AC1667EBCBE1}">
+              <a14:hiddenEffects xmlns:a14="http://schemas.microsoft.com/office/drawing/2010/main" xmlns="">
+                <a:effectLst>
+                  <a:outerShdw blurRad="63500" dist="35921" dir="2700000" algn="ctr" rotWithShape="0">
+                    <a:schemeClr val="bg2"/>
+                  </a:outerShdw>
+                </a:effectLst>
+              </a14:hiddenEffects>
+            </a:ext>
+          </a:extLst>
+        </p:spPr>
+      </p:cxnSp>
+      <mc:AlternateContent xmlns:mc="http://schemas.openxmlformats.org/markup-compatibility/2006">
+        <mc:Choice xmlns:a14="http://schemas.microsoft.com/office/drawing/2010/main" Requires="a14">
+          <p:sp>
+            <p:nvSpPr>
+              <p:cNvPr id="21" name="Rounded Rectangular Callout 20">
+                <a:extLst>
+                  <a:ext uri="{FF2B5EF4-FFF2-40B4-BE49-F238E27FC236}">
+                    <a16:creationId xmlns:a16="http://schemas.microsoft.com/office/drawing/2014/main" id="{41802DC4-3EBA-5142-A033-ED18007D36FB}"/>
+                  </a:ext>
+                </a:extLst>
+              </p:cNvPr>
+              <p:cNvSpPr/>
+              <p:nvPr/>
+            </p:nvSpPr>
+            <p:spPr bwMode="auto">
+              <a:xfrm>
+                <a:off x="3283614" y="2708031"/>
+                <a:ext cx="4746694" cy="2672862"/>
+              </a:xfrm>
+              <a:prstGeom prst="wedgeRoundRectCallout">
+                <a:avLst>
+                  <a:gd name="adj1" fmla="val 31101"/>
+                  <a:gd name="adj2" fmla="val -62415"/>
+                  <a:gd name="adj3" fmla="val 16667"/>
+                </a:avLst>
+              </a:prstGeom>
+              <a:solidFill>
+                <a:schemeClr val="bg1"/>
+              </a:solidFill>
+              <a:ln>
+                <a:solidFill>
+                  <a:schemeClr val="bg1">
+                    <a:lumMod val="75000"/>
+                  </a:schemeClr>
+                </a:solidFill>
+              </a:ln>
+              <a:effectLst/>
+              <a:extLst>
+                <a:ext uri="{909E8E84-426E-40dd-AFC4-6F175D3DCCD1}">
+                  <a14:hiddenFill xmlns="">
+                    <a:solidFill>
+                      <a:schemeClr val="accent1"/>
+                    </a:solidFill>
+                  </a14:hiddenFill>
+                </a:ext>
+                <a:ext uri="{91240B29-F687-4f45-9708-019B960494DF}">
+                  <a14:hiddenLine xmlns="" w="9525" cap="flat" cmpd="sng" algn="ctr">
+                    <a:solidFill>
+                      <a:schemeClr val="tx1"/>
+                    </a:solidFill>
+                    <a:prstDash val="solid"/>
+                    <a:round/>
+                    <a:headEnd type="none" w="med" len="med"/>
+                    <a:tailEnd type="none" w="med" len="med"/>
+                  </a14:hiddenLine>
+                </a:ext>
+                <a:ext uri="{AF507438-7753-43e0-B8FC-AC1667EBCBE1}">
+                  <a14:hiddenEffects xmlns="">
+                    <a:effectLst>
+                      <a:outerShdw blurRad="63500" dist="35921" dir="2700000" algn="ctr" rotWithShape="0">
+                        <a:schemeClr val="bg2"/>
+                      </a:outerShdw>
+                    </a:effectLst>
+                  </a14:hiddenEffects>
+                </a:ext>
+              </a:extLst>
+            </p:spPr>
+            <p:txBody>
+              <a:bodyPr vert="horz" wrap="square" lIns="91440" tIns="45720" rIns="91440" bIns="45720" numCol="1" rtlCol="0" anchor="t" anchorCtr="0" compatLnSpc="1">
+                <a:prstTxWarp prst="textNoShape">
+                  <a:avLst/>
+                </a:prstTxWarp>
+              </a:bodyPr>
+              <a:lstStyle/>
+              <a:p>
+                <a:pPr marL="342900" indent="-342900">
+                  <a:buFont typeface="Arial" panose="020B0604020202020204" pitchFamily="34" charset="0"/>
+                  <a:buChar char="•"/>
+                </a:pPr>
+                <a:r>
+                  <a:rPr lang="ja-JP" altLang="en-US">
+                    <a:solidFill>
+                      <a:schemeClr val="tx1"/>
+                    </a:solidFill>
+                    <a:latin typeface="Hiragino Kaku Gothic Pro W3" charset="-128"/>
+                    <a:ea typeface="Hiragino Kaku Gothic Pro W3" charset="-128"/>
+                    <a:cs typeface="Hiragino Kaku Gothic Pro W3" charset="-128"/>
+                  </a:rPr>
+                  <a:t>内部状態</a:t>
+                </a:r>
+                <a:endParaRPr lang="en-US" altLang="ja-JP" dirty="0">
+                  <a:solidFill>
+                    <a:schemeClr val="tx1"/>
+                  </a:solidFill>
+                  <a:latin typeface="Hiragino Kaku Gothic Pro W3" charset="-128"/>
+                  <a:ea typeface="Hiragino Kaku Gothic Pro W3" charset="-128"/>
+                  <a:cs typeface="Hiragino Kaku Gothic Pro W3" charset="-128"/>
+                </a:endParaRPr>
+              </a:p>
+              <a:p>
+                <a:pPr marL="800100" lvl="1" indent="-342900">
+                  <a:buFont typeface="Arial" panose="020B0604020202020204" pitchFamily="34" charset="0"/>
+                  <a:buChar char="•"/>
+                </a:pPr>
+                <a:r>
+                  <a:rPr lang="ja-JP" altLang="en-US">
+                    <a:solidFill>
+                      <a:schemeClr val="tx1"/>
+                    </a:solidFill>
+                    <a:latin typeface="Hiragino Kaku Gothic Pro W3" charset="-128"/>
+                    <a:ea typeface="Hiragino Kaku Gothic Pro W3" charset="-128"/>
+                    <a:cs typeface="Hiragino Kaku Gothic Pro W3" charset="-128"/>
+                  </a:rPr>
+                  <a:t>平均</a:t>
+                </a:r>
+                <a:r>
+                  <a:rPr lang="en-US" altLang="ja-JP" dirty="0">
+                    <a:solidFill>
+                      <a:schemeClr val="tx1"/>
+                    </a:solidFill>
+                    <a:latin typeface="Hiragino Kaku Gothic Pro W3" charset="-128"/>
+                    <a:ea typeface="Hiragino Kaku Gothic Pro W3" charset="-128"/>
+                    <a:cs typeface="Hiragino Kaku Gothic Pro W3" charset="-128"/>
+                  </a:rPr>
+                  <a:t> </a:t>
+                </a:r>
+                <a14:m>
+                  <m:oMath xmlns:m="http://schemas.openxmlformats.org/officeDocument/2006/math">
+                    <m:r>
+                      <a:rPr lang="en-US" altLang="ja-JP" b="0" i="1" smtClean="0">
+                        <a:solidFill>
+                          <a:schemeClr val="tx1"/>
+                        </a:solidFill>
+                        <a:latin typeface="Cambria Math" panose="02040503050406030204" pitchFamily="18" charset="0"/>
+                        <a:ea typeface="Hiragino Kaku Gothic Pro W3" charset="-128"/>
+                        <a:cs typeface="Hiragino Kaku Gothic Pro W3" charset="-128"/>
+                      </a:rPr>
+                      <m:t>𝜇</m:t>
+                    </m:r>
+                    <m:r>
+                      <a:rPr lang="en-US" altLang="ja-JP" b="0" i="1" smtClean="0">
+                        <a:solidFill>
+                          <a:schemeClr val="tx1"/>
+                        </a:solidFill>
+                        <a:latin typeface="Cambria Math" panose="02040503050406030204" pitchFamily="18" charset="0"/>
+                        <a:ea typeface="Hiragino Kaku Gothic Pro W3" charset="-128"/>
+                        <a:cs typeface="Hiragino Kaku Gothic Pro W3" charset="-128"/>
+                      </a:rPr>
+                      <m:t>=1.0</m:t>
+                    </m:r>
+                  </m:oMath>
+                </a14:m>
+                <a:r>
+                  <a:rPr lang="en-US" altLang="ja-JP" dirty="0">
+                    <a:solidFill>
+                      <a:schemeClr val="tx1"/>
+                    </a:solidFill>
+                    <a:latin typeface="Hiragino Kaku Gothic Pro W3" charset="-128"/>
+                    <a:ea typeface="Hiragino Kaku Gothic Pro W3" charset="-128"/>
+                    <a:cs typeface="Hiragino Kaku Gothic Pro W3" charset="-128"/>
+                  </a:rPr>
+                  <a:t> </a:t>
+                </a:r>
+              </a:p>
+              <a:p>
+                <a:pPr marL="800100" lvl="1" indent="-342900">
+                  <a:buFont typeface="Arial" panose="020B0604020202020204" pitchFamily="34" charset="0"/>
+                  <a:buChar char="•"/>
+                </a:pPr>
+                <a:r>
+                  <a:rPr lang="ja-JP" altLang="en-US">
+                    <a:solidFill>
+                      <a:schemeClr val="tx1"/>
+                    </a:solidFill>
+                    <a:latin typeface="Hiragino Kaku Gothic Pro W3" charset="-128"/>
+                    <a:ea typeface="Hiragino Kaku Gothic Pro W3" charset="-128"/>
+                    <a:cs typeface="Hiragino Kaku Gothic Pro W3" charset="-128"/>
+                  </a:rPr>
+                  <a:t>標準偏差</a:t>
+                </a:r>
+                <a:r>
+                  <a:rPr lang="en-US" altLang="ja-JP" dirty="0">
+                    <a:solidFill>
+                      <a:schemeClr val="tx1"/>
+                    </a:solidFill>
+                    <a:latin typeface="Hiragino Kaku Gothic Pro W3" charset="-128"/>
+                    <a:ea typeface="Hiragino Kaku Gothic Pro W3" charset="-128"/>
+                    <a:cs typeface="Hiragino Kaku Gothic Pro W3" charset="-128"/>
+                  </a:rPr>
+                  <a:t> </a:t>
+                </a:r>
+                <a14:m>
+                  <m:oMath xmlns:m="http://schemas.openxmlformats.org/officeDocument/2006/math">
+                    <m:r>
+                      <a:rPr lang="en-US" altLang="ja-JP" b="0" i="1" smtClean="0">
+                        <a:solidFill>
+                          <a:schemeClr val="tx1"/>
+                        </a:solidFill>
+                        <a:latin typeface="Cambria Math" panose="02040503050406030204" pitchFamily="18" charset="0"/>
+                        <a:ea typeface="Hiragino Kaku Gothic Pro W3" charset="-128"/>
+                        <a:cs typeface="Hiragino Kaku Gothic Pro W3" charset="-128"/>
+                      </a:rPr>
+                      <m:t>𝜎</m:t>
+                    </m:r>
+                    <m:r>
+                      <a:rPr lang="en-US" altLang="ja-JP" b="0" i="1" smtClean="0">
+                        <a:solidFill>
+                          <a:schemeClr val="tx1"/>
+                        </a:solidFill>
+                        <a:latin typeface="Cambria Math" panose="02040503050406030204" pitchFamily="18" charset="0"/>
+                        <a:ea typeface="Hiragino Kaku Gothic Pro W3" charset="-128"/>
+                        <a:cs typeface="Hiragino Kaku Gothic Pro W3" charset="-128"/>
+                      </a:rPr>
+                      <m:t>=1.0</m:t>
+                    </m:r>
+                  </m:oMath>
+                </a14:m>
+                <a:endParaRPr lang="en-US" altLang="ja-JP" dirty="0">
+                  <a:solidFill>
+                    <a:schemeClr val="tx1"/>
+                  </a:solidFill>
+                  <a:latin typeface="Hiragino Kaku Gothic Pro W3" charset="-128"/>
+                  <a:ea typeface="Hiragino Kaku Gothic Pro W3" charset="-128"/>
+                  <a:cs typeface="Hiragino Kaku Gothic Pro W3" charset="-128"/>
+                </a:endParaRPr>
+              </a:p>
+              <a:p>
+                <a:pPr marL="342900" indent="-342900">
+                  <a:buFont typeface="Arial" panose="020B0604020202020204" pitchFamily="34" charset="0"/>
+                  <a:buChar char="•"/>
+                </a:pPr>
+                <a:r>
+                  <a:rPr lang="ja-JP" altLang="en-US">
+                    <a:solidFill>
+                      <a:schemeClr val="tx1"/>
+                    </a:solidFill>
+                    <a:latin typeface="Hiragino Kaku Gothic Pro W3" charset="-128"/>
+                    <a:ea typeface="Hiragino Kaku Gothic Pro W3" charset="-128"/>
+                    <a:cs typeface="Hiragino Kaku Gothic Pro W3" charset="-128"/>
+                  </a:rPr>
+                  <a:t>正規分布に対する命令</a:t>
+                </a:r>
+                <a:endParaRPr lang="en-US" altLang="ja-JP" dirty="0">
+                  <a:solidFill>
+                    <a:schemeClr val="tx1"/>
+                  </a:solidFill>
+                  <a:latin typeface="Hiragino Kaku Gothic Pro W3" charset="-128"/>
+                  <a:ea typeface="Hiragino Kaku Gothic Pro W3" charset="-128"/>
+                  <a:cs typeface="Hiragino Kaku Gothic Pro W3" charset="-128"/>
+                </a:endParaRPr>
+              </a:p>
+              <a:p>
+                <a:pPr marL="800100" lvl="1" indent="-342900">
+                  <a:buFont typeface="Arial" panose="020B0604020202020204" pitchFamily="34" charset="0"/>
+                  <a:buChar char="•"/>
+                </a:pPr>
+                <a:r>
+                  <a:rPr lang="ja-JP" altLang="en-US">
+                    <a:solidFill>
+                      <a:schemeClr val="tx1"/>
+                    </a:solidFill>
+                    <a:latin typeface="Hiragino Kaku Gothic Pro W3" charset="-128"/>
+                    <a:ea typeface="Hiragino Kaku Gothic Pro W3" charset="-128"/>
+                    <a:cs typeface="Hiragino Kaku Gothic Pro W3" charset="-128"/>
+                  </a:rPr>
+                  <a:t>このデータにフィットしろ</a:t>
+                </a:r>
+                <a:endParaRPr lang="en-US" altLang="ja-JP" dirty="0">
+                  <a:solidFill>
+                    <a:schemeClr val="tx1"/>
+                  </a:solidFill>
+                  <a:latin typeface="Hiragino Kaku Gothic Pro W3" charset="-128"/>
+                  <a:ea typeface="Hiragino Kaku Gothic Pro W3" charset="-128"/>
+                  <a:cs typeface="Hiragino Kaku Gothic Pro W3" charset="-128"/>
+                </a:endParaRPr>
+              </a:p>
+              <a:p>
+                <a:pPr marL="800100" lvl="1" indent="-342900">
+                  <a:buFont typeface="Arial" panose="020B0604020202020204" pitchFamily="34" charset="0"/>
+                  <a:buChar char="•"/>
+                </a:pPr>
+                <a:r>
+                  <a:rPr lang="ja-JP" altLang="en-US">
+                    <a:solidFill>
+                      <a:schemeClr val="tx1"/>
+                    </a:solidFill>
+                    <a:latin typeface="Hiragino Kaku Gothic Pro W3" charset="-128"/>
+                    <a:ea typeface="Hiragino Kaku Gothic Pro W3" charset="-128"/>
+                    <a:cs typeface="Hiragino Kaku Gothic Pro W3" charset="-128"/>
+                  </a:rPr>
+                  <a:t>このデータに対する尤度を計算しろ</a:t>
+                </a:r>
+                <a:endParaRPr lang="en-US" dirty="0">
+                  <a:solidFill>
+                    <a:schemeClr val="tx1"/>
+                  </a:solidFill>
+                  <a:latin typeface="Hiragino Kaku Gothic Pro W3" charset="-128"/>
+                  <a:ea typeface="Hiragino Kaku Gothic Pro W3" charset="-128"/>
+                  <a:cs typeface="Hiragino Kaku Gothic Pro W3" charset="-128"/>
+                </a:endParaRPr>
+              </a:p>
+            </p:txBody>
+          </p:sp>
+        </mc:Choice>
+        <mc:Fallback>
+          <p:sp>
+            <p:nvSpPr>
+              <p:cNvPr id="21" name="Rounded Rectangular Callout 20">
+                <a:extLst>
+                  <a:ext uri="{FF2B5EF4-FFF2-40B4-BE49-F238E27FC236}">
+                    <a16:creationId xmlns:a16="http://schemas.microsoft.com/office/drawing/2014/main" id="{41802DC4-3EBA-5142-A033-ED18007D36FB}"/>
+                  </a:ext>
+                </a:extLst>
+              </p:cNvPr>
+              <p:cNvSpPr>
+                <a:spLocks noRot="1" noChangeAspect="1" noMove="1" noResize="1" noEditPoints="1" noAdjustHandles="1" noChangeArrowheads="1" noChangeShapeType="1" noTextEdit="1"/>
+              </p:cNvSpPr>
+              <p:nvPr/>
+            </p:nvSpPr>
+            <p:spPr bwMode="auto">
+              <a:xfrm>
+                <a:off x="3283614" y="2708031"/>
+                <a:ext cx="4746694" cy="2672862"/>
+              </a:xfrm>
+              <a:prstGeom prst="wedgeRoundRectCallout">
+                <a:avLst>
+                  <a:gd name="adj1" fmla="val 31101"/>
+                  <a:gd name="adj2" fmla="val -62415"/>
+                  <a:gd name="adj3" fmla="val 16667"/>
+                </a:avLst>
+              </a:prstGeom>
+              <a:blipFill>
+                <a:blip r:embed="rId3"/>
+                <a:stretch>
+                  <a:fillRect/>
+                </a:stretch>
+              </a:blipFill>
+              <a:ln>
+                <a:solidFill>
+                  <a:schemeClr val="bg1">
+                    <a:lumMod val="75000"/>
+                  </a:schemeClr>
+                </a:solidFill>
+              </a:ln>
+              <a:effectLst/>
+              <a:extLst>
+                <a:ext uri="{909E8E84-426E-40dd-AFC4-6F175D3DCCD1}">
+                  <a14:hiddenFill xmlns:a14="http://schemas.microsoft.com/office/drawing/2010/main" xmlns="">
+                    <a:solidFill>
+                      <a:schemeClr val="accent1"/>
+                    </a:solidFill>
+                  </a14:hiddenFill>
+                </a:ext>
+                <a:ext uri="{91240B29-F687-4f45-9708-019B960494DF}">
+                  <a14:hiddenLine xmlns:a14="http://schemas.microsoft.com/office/drawing/2010/main" xmlns="" w="9525" cap="flat" cmpd="sng" algn="ctr">
+                    <a:solidFill>
+                      <a:schemeClr val="tx1"/>
+                    </a:solidFill>
+                    <a:prstDash val="solid"/>
+                    <a:round/>
+                    <a:headEnd type="none" w="med" len="med"/>
+                    <a:tailEnd type="none" w="med" len="med"/>
+                  </a14:hiddenLine>
+                </a:ext>
+                <a:ext uri="{AF507438-7753-43e0-B8FC-AC1667EBCBE1}">
+                  <a14:hiddenEffects xmlns:a14="http://schemas.microsoft.com/office/drawing/2010/main" xmlns="">
+                    <a:effectLst>
+                      <a:outerShdw blurRad="63500" dist="35921" dir="2700000" algn="ctr" rotWithShape="0">
+                        <a:schemeClr val="bg2"/>
+                      </a:outerShdw>
+                    </a:effectLst>
+                  </a14:hiddenEffects>
+                </a:ext>
+              </a:extLst>
+            </p:spPr>
+            <p:txBody>
+              <a:bodyPr/>
+              <a:lstStyle/>
+              <a:p>
+                <a:r>
+                  <a:rPr lang="en-US">
+                    <a:noFill/>
+                  </a:rPr>
+                  <a:t> </a:t>
+                </a:r>
+              </a:p>
+            </p:txBody>
+          </p:sp>
+        </mc:Fallback>
+      </mc:AlternateContent>
+    </p:spTree>
+    <p:extLst>
+      <p:ext uri="{BB962C8B-B14F-4D97-AF65-F5344CB8AC3E}">
+        <p14:creationId xmlns:p14="http://schemas.microsoft.com/office/powerpoint/2010/main" val="841984269"/>
+      </p:ext>
+    </p:extLst>
+  </p:cSld>
+  <p:clrMapOvr>
+    <a:masterClrMapping/>
+  </p:clrMapOvr>
+</p:sld>
+</file>
+
+<file path=ppt/slides/slide5.xml><?xml version="1.0" encoding="utf-8"?>
+<p:sld xmlns:a="http://schemas.openxmlformats.org/drawingml/2006/main" xmlns:r="http://schemas.openxmlformats.org/officeDocument/2006/relationships" xmlns:p="http://schemas.openxmlformats.org/presentationml/2006/main">
+  <p:cSld>
+    <p:spTree>
+      <p:nvGrpSpPr>
+        <p:cNvPr id="1" name=""/>
+        <p:cNvGrpSpPr/>
+        <p:nvPr/>
+      </p:nvGrpSpPr>
+      <p:grpSpPr>
+        <a:xfrm>
+          <a:off x="0" y="0"/>
+          <a:ext cx="0" cy="0"/>
+          <a:chOff x="0" y="0"/>
+          <a:chExt cx="0" cy="0"/>
+        </a:xfrm>
+      </p:grpSpPr>
+      <mc:AlternateContent xmlns:mc="http://schemas.openxmlformats.org/markup-compatibility/2006">
+        <mc:Choice xmlns:a14="http://schemas.microsoft.com/office/drawing/2010/main" Requires="a14">
+          <p:sp>
+            <p:nvSpPr>
+              <p:cNvPr id="10" name="TextBox 9">
+                <a:extLst>
+                  <a:ext uri="{FF2B5EF4-FFF2-40B4-BE49-F238E27FC236}">
+                    <a16:creationId xmlns:a16="http://schemas.microsoft.com/office/drawing/2014/main" id="{82728267-B396-5B40-9895-221BD5EF4708}"/>
+                  </a:ext>
+                </a:extLst>
+              </p:cNvPr>
+              <p:cNvSpPr txBox="1"/>
+              <p:nvPr/>
+            </p:nvSpPr>
+            <p:spPr>
+              <a:xfrm>
+                <a:off x="504093" y="855784"/>
+                <a:ext cx="1877437" cy="1360950"/>
+              </a:xfrm>
+              <a:prstGeom prst="rect">
+                <a:avLst/>
+              </a:prstGeom>
+              <a:noFill/>
+            </p:spPr>
+            <p:txBody>
+              <a:bodyPr wrap="none" rtlCol="0">
+                <a:spAutoFit/>
+              </a:bodyPr>
+              <a:lstStyle/>
+              <a:p>
+                <a:r>
+                  <a:rPr lang="ja-JP" altLang="en-US">
+                    <a:solidFill>
+                      <a:schemeClr val="tx1"/>
+                    </a:solidFill>
+                    <a:latin typeface="Hiragino Kaku Gothic Pro W3" charset="-128"/>
+                    <a:ea typeface="Hiragino Kaku Gothic Pro W3" charset="-128"/>
+                    <a:cs typeface="Hiragino Kaku Gothic Pro W3" charset="-128"/>
+                  </a:rPr>
+                  <a:t>初期内部状態</a:t>
+                </a:r>
+                <a:endParaRPr lang="en-US" altLang="ja-JP" dirty="0">
+                  <a:solidFill>
+                    <a:schemeClr val="tx1"/>
+                  </a:solidFill>
+                  <a:latin typeface="Hiragino Kaku Gothic Pro W3" charset="-128"/>
+                  <a:ea typeface="Hiragino Kaku Gothic Pro W3" charset="-128"/>
+                  <a:cs typeface="Hiragino Kaku Gothic Pro W3" charset="-128"/>
+                </a:endParaRPr>
+              </a:p>
+              <a:p>
+                <a:endParaRPr lang="en-US" altLang="ja-JP" dirty="0">
+                  <a:solidFill>
+                    <a:schemeClr val="tx1"/>
+                  </a:solidFill>
+                  <a:latin typeface="Hiragino Kaku Gothic Pro W3" charset="-128"/>
+                  <a:ea typeface="Hiragino Kaku Gothic Pro W3" charset="-128"/>
+                  <a:cs typeface="Hiragino Kaku Gothic Pro W3" charset="-128"/>
+                </a:endParaRPr>
+              </a:p>
+              <a:p>
+                <a14:m>
+                  <m:oMathPara xmlns:m="http://schemas.openxmlformats.org/officeDocument/2006/math">
+                    <m:oMathParaPr>
+                      <m:jc m:val="centerGroup"/>
+                    </m:oMathParaPr>
+                    <m:oMath xmlns:m="http://schemas.openxmlformats.org/officeDocument/2006/math">
+                      <m:r>
+                        <a:rPr lang="en-US" b="0" i="1" smtClean="0">
+                          <a:solidFill>
+                            <a:schemeClr val="tx1"/>
+                          </a:solidFill>
+                          <a:latin typeface="Cambria Math" panose="02040503050406030204" pitchFamily="18" charset="0"/>
+                          <a:ea typeface="Hiragino Kaku Gothic Pro W3" charset="-128"/>
+                          <a:cs typeface="Hiragino Kaku Gothic Pro W3" charset="-128"/>
+                        </a:rPr>
+                        <m:t>𝑤</m:t>
+                      </m:r>
+                      <m:r>
+                        <a:rPr lang="en-US" i="1">
+                          <a:solidFill>
+                            <a:schemeClr val="tx1"/>
+                          </a:solidFill>
+                          <a:latin typeface="Cambria Math" panose="02040503050406030204" pitchFamily="18" charset="0"/>
+                          <a:ea typeface="Hiragino Kaku Gothic Pro W3" charset="-128"/>
+                          <a:cs typeface="Hiragino Kaku Gothic Pro W3" charset="-128"/>
+                        </a:rPr>
+                        <m:t>=</m:t>
+                      </m:r>
+                      <m:d>
+                        <m:dPr>
+                          <m:begChr m:val="["/>
+                          <m:endChr m:val="]"/>
+                          <m:ctrlPr>
+                            <a:rPr lang="en-US" i="1" smtClean="0">
+                              <a:solidFill>
+                                <a:schemeClr val="tx1"/>
+                              </a:solidFill>
+                              <a:latin typeface="Cambria Math" panose="02040503050406030204" pitchFamily="18" charset="0"/>
+                              <a:ea typeface="Hiragino Kaku Gothic Pro W3" charset="-128"/>
+                            </a:rPr>
+                          </m:ctrlPr>
+                        </m:dPr>
+                        <m:e>
+                          <m:m>
+                            <m:mPr>
+                              <m:mcs>
+                                <m:mc>
+                                  <m:mcPr>
+                                    <m:count m:val="1"/>
+                                    <m:mcJc m:val="center"/>
+                                  </m:mcPr>
+                                </m:mc>
+                              </m:mcs>
+                              <m:ctrlPr>
+                                <a:rPr lang="en-US" i="1" smtClean="0">
+                                  <a:solidFill>
+                                    <a:schemeClr val="tx1"/>
+                                  </a:solidFill>
+                                  <a:latin typeface="Cambria Math" panose="02040503050406030204" pitchFamily="18" charset="0"/>
+                                  <a:ea typeface="Hiragino Kaku Gothic Pro W3" charset="-128"/>
+                                </a:rPr>
+                              </m:ctrlPr>
+                            </m:mPr>
+                            <m:mr>
+                              <m:e>
+                                <m:r>
+                                  <m:rPr>
+                                    <m:brk m:alnAt="7"/>
+                                  </m:rPr>
+                                  <a:rPr lang="en-US" b="0" i="1" smtClean="0">
+                                    <a:solidFill>
+                                      <a:schemeClr val="tx1"/>
+                                    </a:solidFill>
+                                    <a:latin typeface="Cambria Math" panose="02040503050406030204" pitchFamily="18" charset="0"/>
+                                    <a:ea typeface="Hiragino Kaku Gothic Pro W3" charset="-128"/>
+                                  </a:rPr>
+                                  <m:t>1.0</m:t>
+                                </m:r>
+                              </m:e>
+                            </m:mr>
+                            <m:mr>
+                              <m:e>
+                                <m:r>
+                                  <a:rPr lang="en-US" b="0" i="1" smtClean="0">
+                                    <a:solidFill>
+                                      <a:schemeClr val="tx1"/>
+                                    </a:solidFill>
+                                    <a:latin typeface="Cambria Math" panose="02040503050406030204" pitchFamily="18" charset="0"/>
+                                    <a:ea typeface="Hiragino Kaku Gothic Pro W3" charset="-128"/>
+                                  </a:rPr>
+                                  <m:t>−0.3</m:t>
+                                </m:r>
+                              </m:e>
+                            </m:mr>
+                          </m:m>
+                        </m:e>
+                      </m:d>
+                    </m:oMath>
+                  </m:oMathPara>
+                </a14:m>
+                <a:endParaRPr lang="en-US" dirty="0">
+                  <a:solidFill>
+                    <a:schemeClr val="tx1"/>
+                  </a:solidFill>
+                  <a:latin typeface="Hiragino Kaku Gothic Pro W3" charset="-128"/>
+                  <a:ea typeface="Hiragino Kaku Gothic Pro W3" charset="-128"/>
+                  <a:cs typeface="Hiragino Kaku Gothic Pro W3" charset="-128"/>
+                </a:endParaRPr>
+              </a:p>
+            </p:txBody>
+          </p:sp>
+        </mc:Choice>
+        <mc:Fallback>
+          <p:sp>
+            <p:nvSpPr>
+              <p:cNvPr id="10" name="TextBox 9">
+                <a:extLst>
+                  <a:ext uri="{FF2B5EF4-FFF2-40B4-BE49-F238E27FC236}">
+                    <a16:creationId xmlns:a16="http://schemas.microsoft.com/office/drawing/2014/main" id="{82728267-B396-5B40-9895-221BD5EF4708}"/>
+                  </a:ext>
+                </a:extLst>
+              </p:cNvPr>
+              <p:cNvSpPr txBox="1">
+                <a:spLocks noRot="1" noChangeAspect="1" noMove="1" noResize="1" noEditPoints="1" noAdjustHandles="1" noChangeArrowheads="1" noChangeShapeType="1" noTextEdit="1"/>
+              </p:cNvSpPr>
+              <p:nvPr/>
+            </p:nvSpPr>
+            <p:spPr>
+              <a:xfrm>
+                <a:off x="504093" y="855784"/>
+                <a:ext cx="1877437" cy="1360950"/>
+              </a:xfrm>
+              <a:prstGeom prst="rect">
+                <a:avLst/>
+              </a:prstGeom>
+              <a:blipFill>
+                <a:blip r:embed="rId2"/>
+                <a:stretch>
+                  <a:fillRect l="-4027" t="-1835" r="-2685"/>
+                </a:stretch>
+              </a:blipFill>
+            </p:spPr>
+            <p:txBody>
+              <a:bodyPr/>
+              <a:lstStyle/>
+              <a:p>
+                <a:r>
+                  <a:rPr lang="en-US">
+                    <a:noFill/>
+                  </a:rPr>
+                  <a:t> </a:t>
+                </a:r>
+              </a:p>
+            </p:txBody>
+          </p:sp>
+        </mc:Fallback>
+      </mc:AlternateContent>
+      <p:grpSp>
+        <p:nvGrpSpPr>
+          <p:cNvPr id="19" name="Group 18">
+            <a:extLst>
+              <a:ext uri="{FF2B5EF4-FFF2-40B4-BE49-F238E27FC236}">
+                <a16:creationId xmlns:a16="http://schemas.microsoft.com/office/drawing/2014/main" id="{03E60ADF-63B8-DA4D-99F0-2C22B337EEC4}"/>
+              </a:ext>
+            </a:extLst>
+          </p:cNvPr>
+          <p:cNvGrpSpPr/>
+          <p:nvPr/>
+        </p:nvGrpSpPr>
+        <p:grpSpPr>
+          <a:xfrm>
+            <a:off x="2955352" y="517230"/>
+            <a:ext cx="2723823" cy="2097016"/>
+            <a:chOff x="2754539" y="517230"/>
+            <a:chExt cx="2723823" cy="2097016"/>
+          </a:xfrm>
+        </p:grpSpPr>
+        <p:sp>
+          <p:nvSpPr>
+            <p:cNvPr id="11" name="TextBox 10">
+              <a:extLst>
+                <a:ext uri="{FF2B5EF4-FFF2-40B4-BE49-F238E27FC236}">
+                  <a16:creationId xmlns:a16="http://schemas.microsoft.com/office/drawing/2014/main" id="{228EC50F-EDED-8F42-99E2-DF78BC545441}"/>
+                </a:ext>
+              </a:extLst>
+            </p:cNvPr>
+            <p:cNvSpPr txBox="1"/>
+            <p:nvPr/>
+          </p:nvSpPr>
+          <p:spPr>
+            <a:xfrm>
+              <a:off x="3511151" y="1290807"/>
+              <a:ext cx="1210588" cy="1323439"/>
+            </a:xfrm>
+            <a:prstGeom prst="rect">
+              <a:avLst/>
+            </a:prstGeom>
+            <a:noFill/>
+          </p:spPr>
+          <p:txBody>
+            <a:bodyPr wrap="none" rtlCol="0">
+              <a:spAutoFit/>
+            </a:bodyPr>
+            <a:lstStyle/>
+            <a:p>
+              <a:r>
+                <a:rPr lang="ja-JP" altLang="en-US" sz="8000">
+                  <a:solidFill>
+                    <a:schemeClr val="tx1"/>
+                  </a:solidFill>
+                  <a:latin typeface="Hiragino Kaku Gothic Pro W3" charset="-128"/>
+                  <a:ea typeface="Hiragino Kaku Gothic Pro W3" charset="-128"/>
+                  <a:cs typeface="Hiragino Kaku Gothic Pro W3" charset="-128"/>
+                </a:rPr>
+                <a:t>📄</a:t>
+              </a:r>
+              <a:endParaRPr lang="en-US" sz="8000" dirty="0">
+                <a:solidFill>
+                  <a:schemeClr val="tx1"/>
+                </a:solidFill>
+                <a:latin typeface="Hiragino Kaku Gothic Pro W3" charset="-128"/>
+                <a:ea typeface="Hiragino Kaku Gothic Pro W3" charset="-128"/>
+                <a:cs typeface="Hiragino Kaku Gothic Pro W3" charset="-128"/>
+              </a:endParaRPr>
+            </a:p>
+          </p:txBody>
+        </p:sp>
+        <p:sp>
+          <p:nvSpPr>
+            <p:cNvPr id="12" name="TextBox 11">
+              <a:extLst>
+                <a:ext uri="{FF2B5EF4-FFF2-40B4-BE49-F238E27FC236}">
+                  <a16:creationId xmlns:a16="http://schemas.microsoft.com/office/drawing/2014/main" id="{82177414-779B-884C-9C07-25133BD95D6B}"/>
+                </a:ext>
+              </a:extLst>
+            </p:cNvPr>
+            <p:cNvSpPr txBox="1"/>
+            <p:nvPr/>
+          </p:nvSpPr>
+          <p:spPr>
+            <a:xfrm>
+              <a:off x="2754539" y="517230"/>
+              <a:ext cx="2723823" cy="769441"/>
+            </a:xfrm>
+            <a:prstGeom prst="rect">
+              <a:avLst/>
+            </a:prstGeom>
+            <a:noFill/>
+          </p:spPr>
+          <p:txBody>
+            <a:bodyPr wrap="none" rtlCol="0" anchor="b">
+              <a:spAutoFit/>
+            </a:bodyPr>
+            <a:lstStyle/>
+            <a:p>
+              <a:pPr algn="ctr"/>
+              <a:r>
+                <a:rPr lang="ja-JP" altLang="en-US">
+                  <a:solidFill>
+                    <a:schemeClr val="tx1"/>
+                  </a:solidFill>
+                  <a:latin typeface="Hiragino Kaku Gothic Pro W3" charset="-128"/>
+                  <a:ea typeface="Hiragino Kaku Gothic Pro W3" charset="-128"/>
+                  <a:cs typeface="Hiragino Kaku Gothic Pro W3" charset="-128"/>
+                </a:rPr>
+                <a:t>ロジスティック回帰</a:t>
+              </a:r>
+              <a:endParaRPr lang="en-US" altLang="ja-JP" dirty="0">
+                <a:solidFill>
+                  <a:schemeClr val="tx1"/>
+                </a:solidFill>
+                <a:latin typeface="Hiragino Kaku Gothic Pro W3" charset="-128"/>
+                <a:ea typeface="Hiragino Kaku Gothic Pro W3" charset="-128"/>
+                <a:cs typeface="Hiragino Kaku Gothic Pro W3" charset="-128"/>
+              </a:endParaRPr>
+            </a:p>
+            <a:p>
+              <a:pPr algn="ctr"/>
+              <a:r>
+                <a:rPr lang="ja-JP" altLang="en-US">
+                  <a:solidFill>
+                    <a:schemeClr val="tx1"/>
+                  </a:solidFill>
+                  <a:latin typeface="Hiragino Kaku Gothic Pro W3" charset="-128"/>
+                  <a:ea typeface="Hiragino Kaku Gothic Pro W3" charset="-128"/>
+                  <a:cs typeface="Hiragino Kaku Gothic Pro W3" charset="-128"/>
+                </a:rPr>
+                <a:t>クラス</a:t>
+              </a:r>
+              <a:endParaRPr lang="en-US" dirty="0">
+                <a:solidFill>
+                  <a:schemeClr val="tx1"/>
+                </a:solidFill>
+                <a:latin typeface="Hiragino Kaku Gothic Pro W3" charset="-128"/>
+                <a:ea typeface="Hiragino Kaku Gothic Pro W3" charset="-128"/>
+                <a:cs typeface="Hiragino Kaku Gothic Pro W3" charset="-128"/>
+              </a:endParaRPr>
+            </a:p>
+          </p:txBody>
+        </p:sp>
+      </p:grpSp>
+      <p:grpSp>
+        <p:nvGrpSpPr>
+          <p:cNvPr id="20" name="Group 19">
+            <a:extLst>
+              <a:ext uri="{FF2B5EF4-FFF2-40B4-BE49-F238E27FC236}">
+                <a16:creationId xmlns:a16="http://schemas.microsoft.com/office/drawing/2014/main" id="{4177CB98-5A6C-6D42-B6E5-5922221A8897}"/>
+              </a:ext>
+            </a:extLst>
+          </p:cNvPr>
+          <p:cNvGrpSpPr/>
+          <p:nvPr/>
+        </p:nvGrpSpPr>
+        <p:grpSpPr>
+          <a:xfrm>
+            <a:off x="5829792" y="517230"/>
+            <a:ext cx="2723823" cy="2097016"/>
+            <a:chOff x="5829792" y="517230"/>
+            <a:chExt cx="2723823" cy="2097016"/>
+          </a:xfrm>
+        </p:grpSpPr>
+        <p:sp>
+          <p:nvSpPr>
+            <p:cNvPr id="6" name="TextBox 5">
+              <a:extLst>
+                <a:ext uri="{FF2B5EF4-FFF2-40B4-BE49-F238E27FC236}">
+                  <a16:creationId xmlns:a16="http://schemas.microsoft.com/office/drawing/2014/main" id="{CDA61540-CB3D-4548-94B6-D6039ADC88F3}"/>
+                </a:ext>
+              </a:extLst>
+            </p:cNvPr>
+            <p:cNvSpPr txBox="1"/>
+            <p:nvPr/>
+          </p:nvSpPr>
+          <p:spPr>
+            <a:xfrm>
+              <a:off x="6586409" y="1290807"/>
+              <a:ext cx="1210588" cy="1323439"/>
+            </a:xfrm>
+            <a:prstGeom prst="rect">
+              <a:avLst/>
+            </a:prstGeom>
+            <a:noFill/>
+          </p:spPr>
+          <p:txBody>
+            <a:bodyPr wrap="none" rtlCol="0">
+              <a:spAutoFit/>
+            </a:bodyPr>
+            <a:lstStyle/>
+            <a:p>
+              <a:pPr algn="ctr"/>
+              <a:r>
+                <a:rPr lang="ja-JP" altLang="en-US" sz="8000">
+                  <a:solidFill>
+                    <a:schemeClr val="tx1"/>
+                  </a:solidFill>
+                  <a:latin typeface="Hiragino Kaku Gothic Pro W3" charset="-128"/>
+                  <a:ea typeface="Hiragino Kaku Gothic Pro W3" charset="-128"/>
+                  <a:cs typeface="Hiragino Kaku Gothic Pro W3" charset="-128"/>
+                </a:rPr>
+                <a:t>🤖</a:t>
+              </a:r>
+              <a:endParaRPr lang="en-US" sz="8000" dirty="0">
+                <a:solidFill>
+                  <a:schemeClr val="tx1"/>
+                </a:solidFill>
+                <a:latin typeface="Hiragino Kaku Gothic Pro W3" charset="-128"/>
+                <a:ea typeface="Hiragino Kaku Gothic Pro W3" charset="-128"/>
+                <a:cs typeface="Hiragino Kaku Gothic Pro W3" charset="-128"/>
+              </a:endParaRPr>
+            </a:p>
+          </p:txBody>
+        </p:sp>
+        <p:sp>
+          <p:nvSpPr>
+            <p:cNvPr id="13" name="TextBox 12">
+              <a:extLst>
+                <a:ext uri="{FF2B5EF4-FFF2-40B4-BE49-F238E27FC236}">
+                  <a16:creationId xmlns:a16="http://schemas.microsoft.com/office/drawing/2014/main" id="{730875C0-49C5-7549-8744-98C11FD8B14F}"/>
+                </a:ext>
+              </a:extLst>
+            </p:cNvPr>
+            <p:cNvSpPr txBox="1"/>
+            <p:nvPr/>
+          </p:nvSpPr>
+          <p:spPr>
+            <a:xfrm>
+              <a:off x="5829792" y="517230"/>
+              <a:ext cx="2723823" cy="769441"/>
+            </a:xfrm>
+            <a:prstGeom prst="rect">
+              <a:avLst/>
+            </a:prstGeom>
+            <a:noFill/>
+          </p:spPr>
+          <p:txBody>
+            <a:bodyPr wrap="none" rtlCol="0" anchor="b">
+              <a:spAutoFit/>
+            </a:bodyPr>
+            <a:lstStyle/>
+            <a:p>
+              <a:pPr algn="ctr"/>
+              <a:r>
+                <a:rPr lang="ja-JP" altLang="en-US">
+                  <a:solidFill>
+                    <a:schemeClr val="tx1"/>
+                  </a:solidFill>
+                  <a:latin typeface="Hiragino Kaku Gothic Pro W3" charset="-128"/>
+                  <a:ea typeface="Hiragino Kaku Gothic Pro W3" charset="-128"/>
+                  <a:cs typeface="Hiragino Kaku Gothic Pro W3" charset="-128"/>
+                </a:rPr>
+                <a:t>ロジスティック回帰</a:t>
+              </a:r>
+              <a:endParaRPr lang="en-US" altLang="ja-JP" dirty="0">
+                <a:solidFill>
+                  <a:schemeClr val="tx1"/>
+                </a:solidFill>
+                <a:latin typeface="Hiragino Kaku Gothic Pro W3" charset="-128"/>
+                <a:ea typeface="Hiragino Kaku Gothic Pro W3" charset="-128"/>
+                <a:cs typeface="Hiragino Kaku Gothic Pro W3" charset="-128"/>
+              </a:endParaRPr>
+            </a:p>
+            <a:p>
+              <a:pPr algn="ctr"/>
+              <a:r>
+                <a:rPr lang="ja-JP" altLang="en-US">
+                  <a:solidFill>
+                    <a:schemeClr val="tx1"/>
+                  </a:solidFill>
+                  <a:latin typeface="Hiragino Kaku Gothic Pro W3" charset="-128"/>
+                  <a:ea typeface="Hiragino Kaku Gothic Pro W3" charset="-128"/>
+                  <a:cs typeface="Hiragino Kaku Gothic Pro W3" charset="-128"/>
+                </a:rPr>
+                <a:t>オブジェクト</a:t>
+              </a:r>
+              <a:endParaRPr lang="en-US" dirty="0">
+                <a:solidFill>
+                  <a:schemeClr val="tx1"/>
+                </a:solidFill>
+                <a:latin typeface="Hiragino Kaku Gothic Pro W3" charset="-128"/>
+                <a:ea typeface="Hiragino Kaku Gothic Pro W3" charset="-128"/>
+                <a:cs typeface="Hiragino Kaku Gothic Pro W3" charset="-128"/>
+              </a:endParaRPr>
+            </a:p>
+          </p:txBody>
+        </p:sp>
+      </p:grpSp>
+      <p:cxnSp>
+        <p:nvCxnSpPr>
+          <p:cNvPr id="15" name="Straight Arrow Connector 14">
+            <a:extLst>
+              <a:ext uri="{FF2B5EF4-FFF2-40B4-BE49-F238E27FC236}">
+                <a16:creationId xmlns:a16="http://schemas.microsoft.com/office/drawing/2014/main" id="{2D466002-9505-4D4B-BB36-34F0CFEB76C9}"/>
+              </a:ext>
+            </a:extLst>
+          </p:cNvPr>
+          <p:cNvCxnSpPr>
+            <a:endCxn id="11" idx="1"/>
+          </p:cNvCxnSpPr>
+          <p:nvPr/>
+        </p:nvCxnSpPr>
+        <p:spPr bwMode="auto">
+          <a:xfrm>
+            <a:off x="2473569" y="1952526"/>
+            <a:ext cx="1238395" cy="1"/>
+          </a:xfrm>
+          <a:prstGeom prst="straightConnector1">
+            <a:avLst/>
+          </a:prstGeom>
+          <a:noFill/>
+          <a:ln>
+            <a:solidFill>
+              <a:schemeClr val="accent4"/>
+            </a:solidFill>
+            <a:tailEnd type="triangle"/>
+          </a:ln>
+          <a:effectLst/>
+          <a:extLst>
+            <a:ext uri="{909E8E84-426E-40dd-AFC4-6F175D3DCCD1}">
+              <a14:hiddenFill xmlns:a14="http://schemas.microsoft.com/office/drawing/2010/main" xmlns="">
+                <a:solidFill>
+                  <a:schemeClr val="accent1"/>
+                </a:solidFill>
+              </a14:hiddenFill>
+            </a:ext>
+            <a:ext uri="{91240B29-F687-4f45-9708-019B960494DF}">
+              <a14:hiddenLine xmlns:a14="http://schemas.microsoft.com/office/drawing/2010/main" xmlns="" w="9525" cap="flat" cmpd="sng" algn="ctr">
+                <a:solidFill>
+                  <a:schemeClr val="tx1"/>
+                </a:solidFill>
+                <a:prstDash val="solid"/>
+                <a:round/>
+                <a:headEnd type="none" w="med" len="med"/>
+                <a:tailEnd type="none" w="med" len="med"/>
+              </a14:hiddenLine>
+            </a:ext>
+            <a:ext uri="{AF507438-7753-43e0-B8FC-AC1667EBCBE1}">
+              <a14:hiddenEffects xmlns:a14="http://schemas.microsoft.com/office/drawing/2010/main" xmlns="">
+                <a:effectLst>
+                  <a:outerShdw blurRad="63500" dist="35921" dir="2700000" algn="ctr" rotWithShape="0">
+                    <a:schemeClr val="bg2"/>
+                  </a:outerShdw>
+                </a:effectLst>
+              </a14:hiddenEffects>
+            </a:ext>
+          </a:extLst>
+        </p:spPr>
+      </p:cxnSp>
+      <p:cxnSp>
+        <p:nvCxnSpPr>
+          <p:cNvPr id="16" name="Straight Arrow Connector 15">
+            <a:extLst>
+              <a:ext uri="{FF2B5EF4-FFF2-40B4-BE49-F238E27FC236}">
+                <a16:creationId xmlns:a16="http://schemas.microsoft.com/office/drawing/2014/main" id="{AAE98BCC-4755-A842-853C-E391B3B20A0E}"/>
+              </a:ext>
+            </a:extLst>
+          </p:cNvPr>
+          <p:cNvCxnSpPr>
+            <a:cxnSpLocks/>
+            <a:stCxn id="11" idx="3"/>
+            <a:endCxn id="6" idx="1"/>
+          </p:cNvCxnSpPr>
+          <p:nvPr/>
+        </p:nvCxnSpPr>
+        <p:spPr bwMode="auto">
+          <a:xfrm>
+            <a:off x="4922552" y="1952527"/>
+            <a:ext cx="1663857" cy="0"/>
+          </a:xfrm>
+          <a:prstGeom prst="straightConnector1">
+            <a:avLst/>
+          </a:prstGeom>
+          <a:noFill/>
+          <a:ln>
+            <a:solidFill>
+              <a:schemeClr val="accent4"/>
+            </a:solidFill>
+            <a:tailEnd type="triangle"/>
+          </a:ln>
+          <a:effectLst/>
+          <a:extLst>
+            <a:ext uri="{909E8E84-426E-40dd-AFC4-6F175D3DCCD1}">
+              <a14:hiddenFill xmlns:a14="http://schemas.microsoft.com/office/drawing/2010/main" xmlns="">
+                <a:solidFill>
+                  <a:schemeClr val="accent1"/>
+                </a:solidFill>
+              </a14:hiddenFill>
+            </a:ext>
+            <a:ext uri="{91240B29-F687-4f45-9708-019B960494DF}">
+              <a14:hiddenLine xmlns:a14="http://schemas.microsoft.com/office/drawing/2010/main" xmlns="" w="9525" cap="flat" cmpd="sng" algn="ctr">
+                <a:solidFill>
+                  <a:schemeClr val="tx1"/>
+                </a:solidFill>
+                <a:prstDash val="solid"/>
+                <a:round/>
+                <a:headEnd type="none" w="med" len="med"/>
+                <a:tailEnd type="none" w="med" len="med"/>
+              </a14:hiddenLine>
+            </a:ext>
+            <a:ext uri="{AF507438-7753-43e0-B8FC-AC1667EBCBE1}">
+              <a14:hiddenEffects xmlns:a14="http://schemas.microsoft.com/office/drawing/2010/main" xmlns="">
+                <a:effectLst>
+                  <a:outerShdw blurRad="63500" dist="35921" dir="2700000" algn="ctr" rotWithShape="0">
+                    <a:schemeClr val="bg2"/>
+                  </a:outerShdw>
+                </a:effectLst>
+              </a14:hiddenEffects>
+            </a:ext>
+          </a:extLst>
+        </p:spPr>
+      </p:cxnSp>
+      <mc:AlternateContent xmlns:mc="http://schemas.openxmlformats.org/markup-compatibility/2006">
+        <mc:Choice xmlns:a14="http://schemas.microsoft.com/office/drawing/2010/main" Requires="a14">
+          <p:sp>
+            <p:nvSpPr>
+              <p:cNvPr id="21" name="Rounded Rectangular Callout 20">
+                <a:extLst>
+                  <a:ext uri="{FF2B5EF4-FFF2-40B4-BE49-F238E27FC236}">
+                    <a16:creationId xmlns:a16="http://schemas.microsoft.com/office/drawing/2014/main" id="{41802DC4-3EBA-5142-A033-ED18007D36FB}"/>
+                  </a:ext>
+                </a:extLst>
+              </p:cNvPr>
+              <p:cNvSpPr/>
+              <p:nvPr/>
+            </p:nvSpPr>
+            <p:spPr bwMode="auto">
+              <a:xfrm>
+                <a:off x="3283614" y="2708031"/>
+                <a:ext cx="5016324" cy="2672862"/>
+              </a:xfrm>
+              <a:prstGeom prst="wedgeRoundRectCallout">
+                <a:avLst>
+                  <a:gd name="adj1" fmla="val 31101"/>
+                  <a:gd name="adj2" fmla="val -62415"/>
+                  <a:gd name="adj3" fmla="val 16667"/>
+                </a:avLst>
+              </a:prstGeom>
+              <a:solidFill>
+                <a:schemeClr val="bg1"/>
+              </a:solidFill>
+              <a:ln>
+                <a:solidFill>
+                  <a:schemeClr val="bg1">
+                    <a:lumMod val="75000"/>
+                  </a:schemeClr>
+                </a:solidFill>
+              </a:ln>
+              <a:effectLst/>
+              <a:extLst>
+                <a:ext uri="{909E8E84-426E-40dd-AFC4-6F175D3DCCD1}">
+                  <a14:hiddenFill xmlns="">
+                    <a:solidFill>
+                      <a:schemeClr val="accent1"/>
+                    </a:solidFill>
+                  </a14:hiddenFill>
+                </a:ext>
+                <a:ext uri="{91240B29-F687-4f45-9708-019B960494DF}">
+                  <a14:hiddenLine xmlns="" w="9525" cap="flat" cmpd="sng" algn="ctr">
+                    <a:solidFill>
+                      <a:schemeClr val="tx1"/>
+                    </a:solidFill>
+                    <a:prstDash val="solid"/>
+                    <a:round/>
+                    <a:headEnd type="none" w="med" len="med"/>
+                    <a:tailEnd type="none" w="med" len="med"/>
+                  </a14:hiddenLine>
+                </a:ext>
+                <a:ext uri="{AF507438-7753-43e0-B8FC-AC1667EBCBE1}">
+                  <a14:hiddenEffects xmlns="">
+                    <a:effectLst>
+                      <a:outerShdw blurRad="63500" dist="35921" dir="2700000" algn="ctr" rotWithShape="0">
+                        <a:schemeClr val="bg2"/>
+                      </a:outerShdw>
+                    </a:effectLst>
+                  </a14:hiddenEffects>
+                </a:ext>
+              </a:extLst>
+            </p:spPr>
+            <p:txBody>
+              <a:bodyPr vert="horz" wrap="square" lIns="91440" tIns="45720" rIns="91440" bIns="45720" numCol="1" rtlCol="0" anchor="t" anchorCtr="0" compatLnSpc="1">
+                <a:prstTxWarp prst="textNoShape">
+                  <a:avLst/>
+                </a:prstTxWarp>
+              </a:bodyPr>
+              <a:lstStyle/>
+              <a:p>
+                <a:pPr marL="342900" indent="-342900">
+                  <a:buFont typeface="Arial" panose="020B0604020202020204" pitchFamily="34" charset="0"/>
+                  <a:buChar char="•"/>
+                </a:pPr>
+                <a:r>
+                  <a:rPr lang="ja-JP" altLang="en-US">
+                    <a:solidFill>
+                      <a:schemeClr val="tx1"/>
+                    </a:solidFill>
+                    <a:latin typeface="Hiragino Kaku Gothic Pro W3" charset="-128"/>
+                    <a:ea typeface="Hiragino Kaku Gothic Pro W3" charset="-128"/>
+                    <a:cs typeface="Hiragino Kaku Gothic Pro W3" charset="-128"/>
+                  </a:rPr>
+                  <a:t>内部状態</a:t>
+                </a:r>
+                <a:endParaRPr lang="en-US" altLang="ja-JP" dirty="0">
+                  <a:solidFill>
+                    <a:schemeClr val="tx1"/>
+                  </a:solidFill>
+                  <a:latin typeface="Hiragino Kaku Gothic Pro W3" charset="-128"/>
+                  <a:ea typeface="Hiragino Kaku Gothic Pro W3" charset="-128"/>
+                  <a:cs typeface="Hiragino Kaku Gothic Pro W3" charset="-128"/>
+                </a:endParaRPr>
+              </a:p>
+              <a:p>
+                <a:pPr marL="800100" lvl="1" indent="-342900">
+                  <a:buFont typeface="Arial" panose="020B0604020202020204" pitchFamily="34" charset="0"/>
+                  <a:buChar char="•"/>
+                </a:pPr>
+                <a:r>
+                  <a:rPr lang="ja-JP" altLang="en-US">
+                    <a:solidFill>
+                      <a:schemeClr val="tx1"/>
+                    </a:solidFill>
+                    <a:latin typeface="Hiragino Kaku Gothic Pro W3" charset="-128"/>
+                    <a:ea typeface="Hiragino Kaku Gothic Pro W3" charset="-128"/>
+                    <a:cs typeface="Hiragino Kaku Gothic Pro W3" charset="-128"/>
+                  </a:rPr>
+                  <a:t>分類平面</a:t>
+                </a:r>
+                <a:r>
+                  <a:rPr lang="en-US" altLang="ja-JP" dirty="0">
+                    <a:solidFill>
+                      <a:schemeClr val="tx1"/>
+                    </a:solidFill>
+                    <a:latin typeface="Hiragino Kaku Gothic Pro W3" charset="-128"/>
+                    <a:ea typeface="Hiragino Kaku Gothic Pro W3" charset="-128"/>
+                    <a:cs typeface="Hiragino Kaku Gothic Pro W3" charset="-128"/>
+                  </a:rPr>
+                  <a:t> </a:t>
+                </a:r>
+                <a14:m>
+                  <m:oMath xmlns:m="http://schemas.openxmlformats.org/officeDocument/2006/math">
+                    <m:r>
+                      <a:rPr lang="en-US" altLang="ja-JP" b="0" i="1" smtClean="0">
+                        <a:solidFill>
+                          <a:schemeClr val="tx1"/>
+                        </a:solidFill>
+                        <a:latin typeface="Cambria Math" panose="02040503050406030204" pitchFamily="18" charset="0"/>
+                        <a:ea typeface="Hiragino Kaku Gothic Pro W3" charset="-128"/>
+                        <a:cs typeface="Hiragino Kaku Gothic Pro W3" charset="-128"/>
+                      </a:rPr>
+                      <m:t>𝑤</m:t>
+                    </m:r>
+                    <m:r>
+                      <a:rPr lang="en-US" altLang="ja-JP" b="0" i="1" smtClean="0">
+                        <a:solidFill>
+                          <a:schemeClr val="tx1"/>
+                        </a:solidFill>
+                        <a:latin typeface="Cambria Math" panose="02040503050406030204" pitchFamily="18" charset="0"/>
+                        <a:ea typeface="Hiragino Kaku Gothic Pro W3" charset="-128"/>
+                        <a:cs typeface="Hiragino Kaku Gothic Pro W3" charset="-128"/>
+                      </a:rPr>
+                      <m:t>=</m:t>
+                    </m:r>
+                    <m:d>
+                      <m:dPr>
+                        <m:begChr m:val="["/>
+                        <m:endChr m:val="]"/>
+                        <m:ctrlPr>
+                          <a:rPr lang="en-US" i="1">
+                            <a:solidFill>
+                              <a:schemeClr val="tx1"/>
+                            </a:solidFill>
+                            <a:latin typeface="Cambria Math" panose="02040503050406030204" pitchFamily="18" charset="0"/>
+                            <a:ea typeface="Hiragino Kaku Gothic Pro W3" charset="-128"/>
+                          </a:rPr>
+                        </m:ctrlPr>
+                      </m:dPr>
+                      <m:e>
+                        <m:m>
+                          <m:mPr>
+                            <m:mcs>
+                              <m:mc>
+                                <m:mcPr>
+                                  <m:count m:val="1"/>
+                                  <m:mcJc m:val="center"/>
+                                </m:mcPr>
+                              </m:mc>
+                            </m:mcs>
+                            <m:ctrlPr>
+                              <a:rPr lang="en-US" i="1">
+                                <a:solidFill>
+                                  <a:schemeClr val="tx1"/>
+                                </a:solidFill>
+                                <a:latin typeface="Cambria Math" panose="02040503050406030204" pitchFamily="18" charset="0"/>
+                                <a:ea typeface="Hiragino Kaku Gothic Pro W3" charset="-128"/>
+                              </a:rPr>
+                            </m:ctrlPr>
+                          </m:mPr>
+                          <m:mr>
+                            <m:e>
+                              <m:r>
+                                <m:rPr>
+                                  <m:brk m:alnAt="7"/>
+                                </m:rPr>
+                                <a:rPr lang="en-US" i="1">
+                                  <a:solidFill>
+                                    <a:schemeClr val="tx1"/>
+                                  </a:solidFill>
+                                  <a:latin typeface="Cambria Math" panose="02040503050406030204" pitchFamily="18" charset="0"/>
+                                  <a:ea typeface="Hiragino Kaku Gothic Pro W3" charset="-128"/>
+                                </a:rPr>
+                                <m:t>1</m:t>
+                              </m:r>
+                              <m:r>
+                                <a:rPr lang="en-US" i="1">
+                                  <a:solidFill>
+                                    <a:schemeClr val="tx1"/>
+                                  </a:solidFill>
+                                  <a:latin typeface="Cambria Math" panose="02040503050406030204" pitchFamily="18" charset="0"/>
+                                  <a:ea typeface="Hiragino Kaku Gothic Pro W3" charset="-128"/>
+                                </a:rPr>
+                                <m:t>.0</m:t>
+                              </m:r>
+                            </m:e>
+                          </m:mr>
+                          <m:mr>
+                            <m:e>
+                              <m:r>
+                                <a:rPr lang="en-US" i="1">
+                                  <a:solidFill>
+                                    <a:schemeClr val="tx1"/>
+                                  </a:solidFill>
+                                  <a:latin typeface="Cambria Math" panose="02040503050406030204" pitchFamily="18" charset="0"/>
+                                  <a:ea typeface="Hiragino Kaku Gothic Pro W3" charset="-128"/>
+                                </a:rPr>
+                                <m:t>−0.3</m:t>
+                              </m:r>
+                            </m:e>
+                          </m:mr>
+                        </m:m>
+                      </m:e>
+                    </m:d>
+                  </m:oMath>
+                </a14:m>
+                <a:endParaRPr lang="en-US" altLang="ja-JP" dirty="0">
+                  <a:solidFill>
+                    <a:schemeClr val="tx1"/>
+                  </a:solidFill>
+                  <a:latin typeface="Hiragino Kaku Gothic Pro W3" charset="-128"/>
+                  <a:ea typeface="Hiragino Kaku Gothic Pro W3" charset="-128"/>
+                  <a:cs typeface="Hiragino Kaku Gothic Pro W3" charset="-128"/>
+                </a:endParaRPr>
+              </a:p>
+              <a:p>
+                <a:pPr marL="342900" indent="-342900">
+                  <a:buFont typeface="Arial" panose="020B0604020202020204" pitchFamily="34" charset="0"/>
+                  <a:buChar char="•"/>
+                </a:pPr>
+                <a:r>
+                  <a:rPr lang="ja-JP" altLang="en-US">
+                    <a:solidFill>
+                      <a:schemeClr val="tx1"/>
+                    </a:solidFill>
+                    <a:latin typeface="Hiragino Kaku Gothic Pro W3" charset="-128"/>
+                    <a:ea typeface="Hiragino Kaku Gothic Pro W3" charset="-128"/>
+                    <a:cs typeface="Hiragino Kaku Gothic Pro W3" charset="-128"/>
+                  </a:rPr>
+                  <a:t>ロジスティック回帰に対する命令</a:t>
+                </a:r>
+                <a:endParaRPr lang="en-US" altLang="ja-JP" dirty="0">
+                  <a:solidFill>
+                    <a:schemeClr val="tx1"/>
+                  </a:solidFill>
+                  <a:latin typeface="Hiragino Kaku Gothic Pro W3" charset="-128"/>
+                  <a:ea typeface="Hiragino Kaku Gothic Pro W3" charset="-128"/>
+                  <a:cs typeface="Hiragino Kaku Gothic Pro W3" charset="-128"/>
+                </a:endParaRPr>
+              </a:p>
+              <a:p>
+                <a:pPr marL="800100" lvl="1" indent="-342900">
+                  <a:buFont typeface="Arial" panose="020B0604020202020204" pitchFamily="34" charset="0"/>
+                  <a:buChar char="•"/>
+                </a:pPr>
+                <a:r>
+                  <a:rPr lang="ja-JP" altLang="en-US">
+                    <a:solidFill>
+                      <a:schemeClr val="tx1"/>
+                    </a:solidFill>
+                    <a:latin typeface="Hiragino Kaku Gothic Pro W3" charset="-128"/>
+                    <a:ea typeface="Hiragino Kaku Gothic Pro W3" charset="-128"/>
+                    <a:cs typeface="Hiragino Kaku Gothic Pro W3" charset="-128"/>
+                  </a:rPr>
+                  <a:t>このデータにフィットしろ</a:t>
+                </a:r>
+                <a:endParaRPr lang="en-US" altLang="ja-JP" dirty="0">
+                  <a:solidFill>
+                    <a:schemeClr val="tx1"/>
+                  </a:solidFill>
+                  <a:latin typeface="Hiragino Kaku Gothic Pro W3" charset="-128"/>
+                  <a:ea typeface="Hiragino Kaku Gothic Pro W3" charset="-128"/>
+                  <a:cs typeface="Hiragino Kaku Gothic Pro W3" charset="-128"/>
+                </a:endParaRPr>
+              </a:p>
+              <a:p>
+                <a:pPr marL="800100" lvl="1" indent="-342900">
+                  <a:buFont typeface="Arial" panose="020B0604020202020204" pitchFamily="34" charset="0"/>
+                  <a:buChar char="•"/>
+                </a:pPr>
+                <a:r>
+                  <a:rPr lang="ja-JP" altLang="en-US">
+                    <a:solidFill>
+                      <a:schemeClr val="tx1"/>
+                    </a:solidFill>
+                    <a:latin typeface="Hiragino Kaku Gothic Pro W3" charset="-128"/>
+                    <a:ea typeface="Hiragino Kaku Gothic Pro W3" charset="-128"/>
+                    <a:cs typeface="Hiragino Kaku Gothic Pro W3" charset="-128"/>
+                  </a:rPr>
+                  <a:t>この入力に対するラベルを</a:t>
+                </a:r>
+                <a:br>
+                  <a:rPr lang="en-US" altLang="ja-JP" dirty="0">
+                    <a:solidFill>
+                      <a:schemeClr val="tx1"/>
+                    </a:solidFill>
+                    <a:latin typeface="Hiragino Kaku Gothic Pro W3" charset="-128"/>
+                    <a:ea typeface="Hiragino Kaku Gothic Pro W3" charset="-128"/>
+                    <a:cs typeface="Hiragino Kaku Gothic Pro W3" charset="-128"/>
+                  </a:rPr>
+                </a:br>
+                <a:r>
+                  <a:rPr lang="ja-JP" altLang="en-US">
+                    <a:solidFill>
+                      <a:schemeClr val="tx1"/>
+                    </a:solidFill>
+                    <a:latin typeface="Hiragino Kaku Gothic Pro W3" charset="-128"/>
+                    <a:ea typeface="Hiragino Kaku Gothic Pro W3" charset="-128"/>
+                    <a:cs typeface="Hiragino Kaku Gothic Pro W3" charset="-128"/>
+                  </a:rPr>
+                  <a:t>予測しろ</a:t>
+                </a:r>
+                <a:endParaRPr lang="en-US" dirty="0">
+                  <a:solidFill>
+                    <a:schemeClr val="tx1"/>
+                  </a:solidFill>
+                  <a:latin typeface="Hiragino Kaku Gothic Pro W3" charset="-128"/>
+                  <a:ea typeface="Hiragino Kaku Gothic Pro W3" charset="-128"/>
+                  <a:cs typeface="Hiragino Kaku Gothic Pro W3" charset="-128"/>
+                </a:endParaRPr>
+              </a:p>
+            </p:txBody>
+          </p:sp>
+        </mc:Choice>
+        <mc:Fallback>
+          <p:sp>
+            <p:nvSpPr>
+              <p:cNvPr id="21" name="Rounded Rectangular Callout 20">
+                <a:extLst>
+                  <a:ext uri="{FF2B5EF4-FFF2-40B4-BE49-F238E27FC236}">
+                    <a16:creationId xmlns:a16="http://schemas.microsoft.com/office/drawing/2014/main" id="{41802DC4-3EBA-5142-A033-ED18007D36FB}"/>
+                  </a:ext>
+                </a:extLst>
+              </p:cNvPr>
+              <p:cNvSpPr>
+                <a:spLocks noRot="1" noChangeAspect="1" noMove="1" noResize="1" noEditPoints="1" noAdjustHandles="1" noChangeArrowheads="1" noChangeShapeType="1" noTextEdit="1"/>
+              </p:cNvSpPr>
+              <p:nvPr/>
+            </p:nvSpPr>
+            <p:spPr bwMode="auto">
+              <a:xfrm>
+                <a:off x="3283614" y="2708031"/>
+                <a:ext cx="5016324" cy="2672862"/>
+              </a:xfrm>
+              <a:prstGeom prst="wedgeRoundRectCallout">
+                <a:avLst>
+                  <a:gd name="adj1" fmla="val 31101"/>
+                  <a:gd name="adj2" fmla="val -62415"/>
+                  <a:gd name="adj3" fmla="val 16667"/>
+                </a:avLst>
+              </a:prstGeom>
+              <a:blipFill>
+                <a:blip r:embed="rId3"/>
+                <a:stretch>
+                  <a:fillRect/>
+                </a:stretch>
+              </a:blipFill>
+              <a:ln>
+                <a:solidFill>
+                  <a:schemeClr val="bg1">
+                    <a:lumMod val="75000"/>
+                  </a:schemeClr>
+                </a:solidFill>
+              </a:ln>
+              <a:effectLst/>
+              <a:extLst>
+                <a:ext uri="{909E8E84-426E-40dd-AFC4-6F175D3DCCD1}">
+                  <a14:hiddenFill xmlns:a14="http://schemas.microsoft.com/office/drawing/2010/main" xmlns="">
+                    <a:solidFill>
+                      <a:schemeClr val="accent1"/>
+                    </a:solidFill>
+                  </a14:hiddenFill>
+                </a:ext>
+                <a:ext uri="{91240B29-F687-4f45-9708-019B960494DF}">
+                  <a14:hiddenLine xmlns:a14="http://schemas.microsoft.com/office/drawing/2010/main" xmlns="" w="9525" cap="flat" cmpd="sng" algn="ctr">
+                    <a:solidFill>
+                      <a:schemeClr val="tx1"/>
+                    </a:solidFill>
+                    <a:prstDash val="solid"/>
+                    <a:round/>
+                    <a:headEnd type="none" w="med" len="med"/>
+                    <a:tailEnd type="none" w="med" len="med"/>
+                  </a14:hiddenLine>
+                </a:ext>
+                <a:ext uri="{AF507438-7753-43e0-B8FC-AC1667EBCBE1}">
+                  <a14:hiddenEffects xmlns:a14="http://schemas.microsoft.com/office/drawing/2010/main" xmlns="">
+                    <a:effectLst>
+                      <a:outerShdw blurRad="63500" dist="35921" dir="2700000" algn="ctr" rotWithShape="0">
+                        <a:schemeClr val="bg2"/>
+                      </a:outerShdw>
+                    </a:effectLst>
+                  </a14:hiddenEffects>
+                </a:ext>
+              </a:extLst>
+            </p:spPr>
+            <p:txBody>
+              <a:bodyPr/>
+              <a:lstStyle/>
+              <a:p>
+                <a:r>
+                  <a:rPr lang="en-US">
+                    <a:noFill/>
+                  </a:rPr>
+                  <a:t> </a:t>
+                </a:r>
+              </a:p>
+            </p:txBody>
+          </p:sp>
+        </mc:Fallback>
+      </mc:AlternateContent>
+    </p:spTree>
+    <p:extLst>
+      <p:ext uri="{BB962C8B-B14F-4D97-AF65-F5344CB8AC3E}">
+        <p14:creationId xmlns:p14="http://schemas.microsoft.com/office/powerpoint/2010/main" val="736924626"/>
+      </p:ext>
+    </p:extLst>
+  </p:cSld>
+  <p:clrMapOvr>
+    <a:masterClrMapping/>
+  </p:clrMapOvr>
+</p:sld>
+</file>
+
+<file path=ppt/slides/slide6.xml><?xml version="1.0" encoding="utf-8"?>
+<p:sld xmlns:a="http://schemas.openxmlformats.org/drawingml/2006/main" xmlns:r="http://schemas.openxmlformats.org/officeDocument/2006/relationships" xmlns:p="http://schemas.openxmlformats.org/presentationml/2006/main">
+  <p:cSld>
+    <p:spTree>
+      <p:nvGrpSpPr>
+        <p:cNvPr id="1" name=""/>
+        <p:cNvGrpSpPr/>
+        <p:nvPr/>
+      </p:nvGrpSpPr>
+      <p:grpSpPr>
+        <a:xfrm>
+          <a:off x="0" y="0"/>
+          <a:ext cx="0" cy="0"/>
+          <a:chOff x="0" y="0"/>
+          <a:chExt cx="0" cy="0"/>
+        </a:xfrm>
+      </p:grpSpPr>
+    </p:spTree>
+    <p:extLst>
+      <p:ext uri="{BB962C8B-B14F-4D97-AF65-F5344CB8AC3E}">
+        <p14:creationId xmlns:p14="http://schemas.microsoft.com/office/powerpoint/2010/main" val="74986878"/>
       </p:ext>
     </p:extLst>
   </p:cSld>
@@ -13058,14 +16931,14 @@
         <a:effectLst/>
         <a:extLst>
           <a:ext uri="{909E8E84-426E-40dd-AFC4-6F175D3DCCD1}">
-            <a14:hiddenFill xmlns="" xmlns:a14="http://schemas.microsoft.com/office/drawing/2010/main">
+            <a14:hiddenFill xmlns:a14="http://schemas.microsoft.com/office/drawing/2010/main" xmlns="">
               <a:solidFill>
                 <a:schemeClr val="accent1"/>
               </a:solidFill>
             </a14:hiddenFill>
           </a:ext>
           <a:ext uri="{91240B29-F687-4f45-9708-019B960494DF}">
-            <a14:hiddenLine xmlns="" xmlns:a14="http://schemas.microsoft.com/office/drawing/2010/main" w="9525" cap="flat" cmpd="sng" algn="ctr">
+            <a14:hiddenLine xmlns:a14="http://schemas.microsoft.com/office/drawing/2010/main" xmlns="" w="9525" cap="flat" cmpd="sng" algn="ctr">
               <a:solidFill>
                 <a:schemeClr val="tx1"/>
               </a:solidFill>
@@ -13076,7 +16949,7 @@
             </a14:hiddenLine>
           </a:ext>
           <a:ext uri="{AF507438-7753-43e0-B8FC-AC1667EBCBE1}">
-            <a14:hiddenEffects xmlns="" xmlns:a14="http://schemas.microsoft.com/office/drawing/2010/main">
+            <a14:hiddenEffects xmlns:a14="http://schemas.microsoft.com/office/drawing/2010/main" xmlns="">
               <a:effectLst>
                 <a:outerShdw blurRad="63500" dist="35921" dir="2700000" algn="ctr" rotWithShape="0">
                   <a:schemeClr val="bg2"/>
@@ -13118,14 +16991,14 @@
         <a:effectLst/>
         <a:extLst>
           <a:ext uri="{909E8E84-426E-40dd-AFC4-6F175D3DCCD1}">
-            <a14:hiddenFill xmlns="" xmlns:a14="http://schemas.microsoft.com/office/drawing/2010/main">
+            <a14:hiddenFill xmlns:a14="http://schemas.microsoft.com/office/drawing/2010/main" xmlns="">
               <a:solidFill>
                 <a:schemeClr val="accent1"/>
               </a:solidFill>
             </a14:hiddenFill>
           </a:ext>
           <a:ext uri="{91240B29-F687-4f45-9708-019B960494DF}">
-            <a14:hiddenLine xmlns="" xmlns:a14="http://schemas.microsoft.com/office/drawing/2010/main" w="9525" cap="flat" cmpd="sng" algn="ctr">
+            <a14:hiddenLine xmlns:a14="http://schemas.microsoft.com/office/drawing/2010/main" xmlns="" w="9525" cap="flat" cmpd="sng" algn="ctr">
               <a:solidFill>
                 <a:schemeClr val="tx1"/>
               </a:solidFill>
@@ -13136,7 +17009,7 @@
             </a14:hiddenLine>
           </a:ext>
           <a:ext uri="{AF507438-7753-43e0-B8FC-AC1667EBCBE1}">
-            <a14:hiddenEffects xmlns="" xmlns:a14="http://schemas.microsoft.com/office/drawing/2010/main">
+            <a14:hiddenEffects xmlns:a14="http://schemas.microsoft.com/office/drawing/2010/main" xmlns="">
               <a:effectLst>
                 <a:outerShdw blurRad="63500" dist="35921" dir="2700000" algn="ctr" rotWithShape="0">
                   <a:schemeClr val="bg2"/>
